--- a/wp-content/images/2019-06-01-nested-query/slides.pptx
+++ b/wp-content/images/2019-06-01-nested-query/slides.pptx
@@ -7,6 +7,10 @@
   <p:sldIdLst>
     <p:sldId id="256" r:id="rId2"/>
     <p:sldId id="257" r:id="rId3"/>
+    <p:sldId id="258" r:id="rId4"/>
+    <p:sldId id="259" r:id="rId5"/>
+    <p:sldId id="260" r:id="rId6"/>
+    <p:sldId id="261" r:id="rId7"/>
   </p:sldIdLst>
   <p:sldSz cx="12192000" cy="6858000"/>
   <p:notesSz cx="6858000" cy="9144000"/>
@@ -105,6 +109,11 @@
       </a:defRPr>
     </a:lvl9pPr>
   </p:defaultTextStyle>
+  <p:extLst>
+    <p:ext uri="{EFAFB233-063F-42B5-8137-9DF3F51BA10A}">
+      <p15:sldGuideLst xmlns:p15="http://schemas.microsoft.com/office/powerpoint/2012/main"/>
+    </p:ext>
+  </p:extLst>
 </p:presentation>
 </file>
 
@@ -257,7 +266,7 @@
           <a:p>
             <a:fld id="{C3353766-C27C-47A7-9A8A-D9CF804B8A84}" type="datetimeFigureOut">
               <a:rPr lang="en-US" smtClean="0"/>
-              <a:t>5/30/2019</a:t>
+              <a:t>6/1/2019</a:t>
             </a:fld>
             <a:endParaRPr lang="en-US"/>
           </a:p>
@@ -457,7 +466,7 @@
           <a:p>
             <a:fld id="{C3353766-C27C-47A7-9A8A-D9CF804B8A84}" type="datetimeFigureOut">
               <a:rPr lang="en-US" smtClean="0"/>
-              <a:t>5/30/2019</a:t>
+              <a:t>6/1/2019</a:t>
             </a:fld>
             <a:endParaRPr lang="en-US"/>
           </a:p>
@@ -667,7 +676,7 @@
           <a:p>
             <a:fld id="{C3353766-C27C-47A7-9A8A-D9CF804B8A84}" type="datetimeFigureOut">
               <a:rPr lang="en-US" smtClean="0"/>
-              <a:t>5/30/2019</a:t>
+              <a:t>6/1/2019</a:t>
             </a:fld>
             <a:endParaRPr lang="en-US"/>
           </a:p>
@@ -867,7 +876,7 @@
           <a:p>
             <a:fld id="{C3353766-C27C-47A7-9A8A-D9CF804B8A84}" type="datetimeFigureOut">
               <a:rPr lang="en-US" smtClean="0"/>
-              <a:t>5/30/2019</a:t>
+              <a:t>6/1/2019</a:t>
             </a:fld>
             <a:endParaRPr lang="en-US"/>
           </a:p>
@@ -1143,7 +1152,7 @@
           <a:p>
             <a:fld id="{C3353766-C27C-47A7-9A8A-D9CF804B8A84}" type="datetimeFigureOut">
               <a:rPr lang="en-US" smtClean="0"/>
-              <a:t>5/30/2019</a:t>
+              <a:t>6/1/2019</a:t>
             </a:fld>
             <a:endParaRPr lang="en-US"/>
           </a:p>
@@ -1411,7 +1420,7 @@
           <a:p>
             <a:fld id="{C3353766-C27C-47A7-9A8A-D9CF804B8A84}" type="datetimeFigureOut">
               <a:rPr lang="en-US" smtClean="0"/>
-              <a:t>5/30/2019</a:t>
+              <a:t>6/1/2019</a:t>
             </a:fld>
             <a:endParaRPr lang="en-US"/>
           </a:p>
@@ -1826,7 +1835,7 @@
           <a:p>
             <a:fld id="{C3353766-C27C-47A7-9A8A-D9CF804B8A84}" type="datetimeFigureOut">
               <a:rPr lang="en-US" smtClean="0"/>
-              <a:t>5/30/2019</a:t>
+              <a:t>6/1/2019</a:t>
             </a:fld>
             <a:endParaRPr lang="en-US"/>
           </a:p>
@@ -1968,7 +1977,7 @@
           <a:p>
             <a:fld id="{C3353766-C27C-47A7-9A8A-D9CF804B8A84}" type="datetimeFigureOut">
               <a:rPr lang="en-US" smtClean="0"/>
-              <a:t>5/30/2019</a:t>
+              <a:t>6/1/2019</a:t>
             </a:fld>
             <a:endParaRPr lang="en-US"/>
           </a:p>
@@ -2081,7 +2090,7 @@
           <a:p>
             <a:fld id="{C3353766-C27C-47A7-9A8A-D9CF804B8A84}" type="datetimeFigureOut">
               <a:rPr lang="en-US" smtClean="0"/>
-              <a:t>5/30/2019</a:t>
+              <a:t>6/1/2019</a:t>
             </a:fld>
             <a:endParaRPr lang="en-US"/>
           </a:p>
@@ -2394,7 +2403,7 @@
           <a:p>
             <a:fld id="{C3353766-C27C-47A7-9A8A-D9CF804B8A84}" type="datetimeFigureOut">
               <a:rPr lang="en-US" smtClean="0"/>
-              <a:t>5/30/2019</a:t>
+              <a:t>6/1/2019</a:t>
             </a:fld>
             <a:endParaRPr lang="en-US"/>
           </a:p>
@@ -2683,7 +2692,7 @@
           <a:p>
             <a:fld id="{C3353766-C27C-47A7-9A8A-D9CF804B8A84}" type="datetimeFigureOut">
               <a:rPr lang="en-US" smtClean="0"/>
-              <a:t>5/30/2019</a:t>
+              <a:t>6/1/2019</a:t>
             </a:fld>
             <a:endParaRPr lang="en-US"/>
           </a:p>
@@ -2926,7 +2935,7 @@
           <a:p>
             <a:fld id="{C3353766-C27C-47A7-9A8A-D9CF804B8A84}" type="datetimeFigureOut">
               <a:rPr lang="en-US" smtClean="0"/>
-              <a:t>5/30/2019</a:t>
+              <a:t>6/1/2019</a:t>
             </a:fld>
             <a:endParaRPr lang="en-US"/>
           </a:p>
@@ -6768,6 +6777,4888 @@
 </p:sld>
 </file>
 
+<file path=ppt/slides/slide3.xml><?xml version="1.0" encoding="utf-8"?>
+<p:sld xmlns:a="http://schemas.openxmlformats.org/drawingml/2006/main" xmlns:r="http://schemas.openxmlformats.org/officeDocument/2006/relationships" xmlns:p="http://schemas.openxmlformats.org/presentationml/2006/main">
+  <p:cSld>
+    <p:spTree>
+      <p:nvGrpSpPr>
+        <p:cNvPr id="1" name=""/>
+        <p:cNvGrpSpPr/>
+        <p:nvPr/>
+      </p:nvGrpSpPr>
+      <p:grpSpPr>
+        <a:xfrm>
+          <a:off x="0" y="0"/>
+          <a:ext cx="0" cy="0"/>
+          <a:chOff x="0" y="0"/>
+          <a:chExt cx="0" cy="0"/>
+        </a:xfrm>
+      </p:grpSpPr>
+      <p:cxnSp>
+        <p:nvCxnSpPr>
+          <p:cNvPr id="5" name="直線接點 4">
+            <a:extLst>
+              <a:ext uri="{FF2B5EF4-FFF2-40B4-BE49-F238E27FC236}">
+                <a16:creationId xmlns:a16="http://schemas.microsoft.com/office/drawing/2014/main" id="{6772F55E-4DEE-4021-B167-40FF2BA347A6}"/>
+              </a:ext>
+            </a:extLst>
+          </p:cNvPr>
+          <p:cNvCxnSpPr>
+            <a:cxnSpLocks/>
+          </p:cNvCxnSpPr>
+          <p:nvPr/>
+        </p:nvCxnSpPr>
+        <p:spPr>
+          <a:xfrm>
+            <a:off x="482600" y="952500"/>
+            <a:ext cx="8020050" cy="0"/>
+          </a:xfrm>
+          <a:prstGeom prst="line">
+            <a:avLst/>
+          </a:prstGeom>
+          <a:ln>
+            <a:headEnd type="none" w="med" len="med"/>
+            <a:tailEnd type="triangle" w="med" len="med"/>
+          </a:ln>
+        </p:spPr>
+        <p:style>
+          <a:lnRef idx="1">
+            <a:schemeClr val="accent1"/>
+          </a:lnRef>
+          <a:fillRef idx="0">
+            <a:schemeClr val="accent1"/>
+          </a:fillRef>
+          <a:effectRef idx="0">
+            <a:schemeClr val="accent1"/>
+          </a:effectRef>
+          <a:fontRef idx="minor">
+            <a:schemeClr val="tx1"/>
+          </a:fontRef>
+        </p:style>
+      </p:cxnSp>
+      <p:cxnSp>
+        <p:nvCxnSpPr>
+          <p:cNvPr id="26" name="直線接點 25">
+            <a:extLst>
+              <a:ext uri="{FF2B5EF4-FFF2-40B4-BE49-F238E27FC236}">
+                <a16:creationId xmlns:a16="http://schemas.microsoft.com/office/drawing/2014/main" id="{C96082B3-EB6C-4D5E-B9B0-C8E306FC04E4}"/>
+              </a:ext>
+            </a:extLst>
+          </p:cNvPr>
+          <p:cNvCxnSpPr/>
+          <p:nvPr/>
+        </p:nvCxnSpPr>
+        <p:spPr>
+          <a:xfrm>
+            <a:off x="806450" y="876300"/>
+            <a:ext cx="0" cy="5276850"/>
+          </a:xfrm>
+          <a:prstGeom prst="line">
+            <a:avLst/>
+          </a:prstGeom>
+          <a:ln>
+            <a:solidFill>
+              <a:schemeClr val="bg1">
+                <a:lumMod val="85000"/>
+              </a:schemeClr>
+            </a:solidFill>
+            <a:prstDash val="lgDash"/>
+          </a:ln>
+        </p:spPr>
+        <p:style>
+          <a:lnRef idx="1">
+            <a:schemeClr val="accent1"/>
+          </a:lnRef>
+          <a:fillRef idx="0">
+            <a:schemeClr val="accent1"/>
+          </a:fillRef>
+          <a:effectRef idx="0">
+            <a:schemeClr val="accent1"/>
+          </a:effectRef>
+          <a:fontRef idx="minor">
+            <a:schemeClr val="tx1"/>
+          </a:fontRef>
+        </p:style>
+      </p:cxnSp>
+      <p:cxnSp>
+        <p:nvCxnSpPr>
+          <p:cNvPr id="27" name="直線接點 26">
+            <a:extLst>
+              <a:ext uri="{FF2B5EF4-FFF2-40B4-BE49-F238E27FC236}">
+                <a16:creationId xmlns:a16="http://schemas.microsoft.com/office/drawing/2014/main" id="{E171B812-51C3-486A-ADA3-972B8FE4CFBA}"/>
+              </a:ext>
+            </a:extLst>
+          </p:cNvPr>
+          <p:cNvCxnSpPr/>
+          <p:nvPr/>
+        </p:nvCxnSpPr>
+        <p:spPr>
+          <a:xfrm>
+            <a:off x="1174750" y="876300"/>
+            <a:ext cx="0" cy="5276850"/>
+          </a:xfrm>
+          <a:prstGeom prst="line">
+            <a:avLst/>
+          </a:prstGeom>
+          <a:ln>
+            <a:solidFill>
+              <a:schemeClr val="tx1"/>
+            </a:solidFill>
+            <a:prstDash val="lgDash"/>
+          </a:ln>
+        </p:spPr>
+        <p:style>
+          <a:lnRef idx="1">
+            <a:schemeClr val="accent1"/>
+          </a:lnRef>
+          <a:fillRef idx="0">
+            <a:schemeClr val="accent1"/>
+          </a:fillRef>
+          <a:effectRef idx="0">
+            <a:schemeClr val="accent1"/>
+          </a:effectRef>
+          <a:fontRef idx="minor">
+            <a:schemeClr val="tx1"/>
+          </a:fontRef>
+        </p:style>
+      </p:cxnSp>
+      <p:cxnSp>
+        <p:nvCxnSpPr>
+          <p:cNvPr id="28" name="直線接點 27">
+            <a:extLst>
+              <a:ext uri="{FF2B5EF4-FFF2-40B4-BE49-F238E27FC236}">
+                <a16:creationId xmlns:a16="http://schemas.microsoft.com/office/drawing/2014/main" id="{23A757FF-AE24-4C4B-8685-FEEE0CB17786}"/>
+              </a:ext>
+            </a:extLst>
+          </p:cNvPr>
+          <p:cNvCxnSpPr/>
+          <p:nvPr/>
+        </p:nvCxnSpPr>
+        <p:spPr>
+          <a:xfrm>
+            <a:off x="1555750" y="876300"/>
+            <a:ext cx="0" cy="5276850"/>
+          </a:xfrm>
+          <a:prstGeom prst="line">
+            <a:avLst/>
+          </a:prstGeom>
+          <a:ln>
+            <a:solidFill>
+              <a:schemeClr val="bg1">
+                <a:lumMod val="85000"/>
+              </a:schemeClr>
+            </a:solidFill>
+            <a:prstDash val="lgDash"/>
+          </a:ln>
+        </p:spPr>
+        <p:style>
+          <a:lnRef idx="1">
+            <a:schemeClr val="accent1"/>
+          </a:lnRef>
+          <a:fillRef idx="0">
+            <a:schemeClr val="accent1"/>
+          </a:fillRef>
+          <a:effectRef idx="0">
+            <a:schemeClr val="accent1"/>
+          </a:effectRef>
+          <a:fontRef idx="minor">
+            <a:schemeClr val="tx1"/>
+          </a:fontRef>
+        </p:style>
+      </p:cxnSp>
+      <p:cxnSp>
+        <p:nvCxnSpPr>
+          <p:cNvPr id="29" name="直線接點 28">
+            <a:extLst>
+              <a:ext uri="{FF2B5EF4-FFF2-40B4-BE49-F238E27FC236}">
+                <a16:creationId xmlns:a16="http://schemas.microsoft.com/office/drawing/2014/main" id="{A0A23865-50B8-45C2-A1D1-687880D5682F}"/>
+              </a:ext>
+            </a:extLst>
+          </p:cNvPr>
+          <p:cNvCxnSpPr/>
+          <p:nvPr/>
+        </p:nvCxnSpPr>
+        <p:spPr>
+          <a:xfrm>
+            <a:off x="1936750" y="876300"/>
+            <a:ext cx="0" cy="5276850"/>
+          </a:xfrm>
+          <a:prstGeom prst="line">
+            <a:avLst/>
+          </a:prstGeom>
+          <a:ln>
+            <a:solidFill>
+              <a:schemeClr val="bg1">
+                <a:lumMod val="85000"/>
+              </a:schemeClr>
+            </a:solidFill>
+            <a:prstDash val="lgDash"/>
+          </a:ln>
+        </p:spPr>
+        <p:style>
+          <a:lnRef idx="1">
+            <a:schemeClr val="accent1"/>
+          </a:lnRef>
+          <a:fillRef idx="0">
+            <a:schemeClr val="accent1"/>
+          </a:fillRef>
+          <a:effectRef idx="0">
+            <a:schemeClr val="accent1"/>
+          </a:effectRef>
+          <a:fontRef idx="minor">
+            <a:schemeClr val="tx1"/>
+          </a:fontRef>
+        </p:style>
+      </p:cxnSp>
+      <p:cxnSp>
+        <p:nvCxnSpPr>
+          <p:cNvPr id="30" name="直線接點 29">
+            <a:extLst>
+              <a:ext uri="{FF2B5EF4-FFF2-40B4-BE49-F238E27FC236}">
+                <a16:creationId xmlns:a16="http://schemas.microsoft.com/office/drawing/2014/main" id="{8C4DCB02-1FB9-4AAD-AA3D-F5D73F497758}"/>
+              </a:ext>
+            </a:extLst>
+          </p:cNvPr>
+          <p:cNvCxnSpPr/>
+          <p:nvPr/>
+        </p:nvCxnSpPr>
+        <p:spPr>
+          <a:xfrm>
+            <a:off x="2343150" y="876300"/>
+            <a:ext cx="0" cy="5276850"/>
+          </a:xfrm>
+          <a:prstGeom prst="line">
+            <a:avLst/>
+          </a:prstGeom>
+          <a:ln>
+            <a:solidFill>
+              <a:schemeClr val="bg1">
+                <a:lumMod val="85000"/>
+              </a:schemeClr>
+            </a:solidFill>
+            <a:prstDash val="lgDash"/>
+          </a:ln>
+        </p:spPr>
+        <p:style>
+          <a:lnRef idx="1">
+            <a:schemeClr val="accent1"/>
+          </a:lnRef>
+          <a:fillRef idx="0">
+            <a:schemeClr val="accent1"/>
+          </a:fillRef>
+          <a:effectRef idx="0">
+            <a:schemeClr val="accent1"/>
+          </a:effectRef>
+          <a:fontRef idx="minor">
+            <a:schemeClr val="tx1"/>
+          </a:fontRef>
+        </p:style>
+      </p:cxnSp>
+      <p:cxnSp>
+        <p:nvCxnSpPr>
+          <p:cNvPr id="31" name="直線接點 30">
+            <a:extLst>
+              <a:ext uri="{FF2B5EF4-FFF2-40B4-BE49-F238E27FC236}">
+                <a16:creationId xmlns:a16="http://schemas.microsoft.com/office/drawing/2014/main" id="{4995F1B0-86EA-49A3-9B2C-142B3F0D649C}"/>
+              </a:ext>
+            </a:extLst>
+          </p:cNvPr>
+          <p:cNvCxnSpPr/>
+          <p:nvPr/>
+        </p:nvCxnSpPr>
+        <p:spPr>
+          <a:xfrm>
+            <a:off x="2736850" y="876300"/>
+            <a:ext cx="0" cy="5276850"/>
+          </a:xfrm>
+          <a:prstGeom prst="line">
+            <a:avLst/>
+          </a:prstGeom>
+          <a:ln>
+            <a:solidFill>
+              <a:schemeClr val="bg1">
+                <a:lumMod val="85000"/>
+              </a:schemeClr>
+            </a:solidFill>
+            <a:prstDash val="lgDash"/>
+          </a:ln>
+        </p:spPr>
+        <p:style>
+          <a:lnRef idx="1">
+            <a:schemeClr val="accent1"/>
+          </a:lnRef>
+          <a:fillRef idx="0">
+            <a:schemeClr val="accent1"/>
+          </a:fillRef>
+          <a:effectRef idx="0">
+            <a:schemeClr val="accent1"/>
+          </a:effectRef>
+          <a:fontRef idx="minor">
+            <a:schemeClr val="tx1"/>
+          </a:fontRef>
+        </p:style>
+      </p:cxnSp>
+      <p:cxnSp>
+        <p:nvCxnSpPr>
+          <p:cNvPr id="32" name="直線接點 31">
+            <a:extLst>
+              <a:ext uri="{FF2B5EF4-FFF2-40B4-BE49-F238E27FC236}">
+                <a16:creationId xmlns:a16="http://schemas.microsoft.com/office/drawing/2014/main" id="{4A4B5479-79A9-4E73-AE60-48BB9AE00F7E}"/>
+              </a:ext>
+            </a:extLst>
+          </p:cNvPr>
+          <p:cNvCxnSpPr/>
+          <p:nvPr/>
+        </p:nvCxnSpPr>
+        <p:spPr>
+          <a:xfrm>
+            <a:off x="3105150" y="876300"/>
+            <a:ext cx="0" cy="5276850"/>
+          </a:xfrm>
+          <a:prstGeom prst="line">
+            <a:avLst/>
+          </a:prstGeom>
+          <a:ln>
+            <a:solidFill>
+              <a:schemeClr val="tx1"/>
+            </a:solidFill>
+            <a:prstDash val="lgDash"/>
+          </a:ln>
+        </p:spPr>
+        <p:style>
+          <a:lnRef idx="1">
+            <a:schemeClr val="accent1"/>
+          </a:lnRef>
+          <a:fillRef idx="0">
+            <a:schemeClr val="accent1"/>
+          </a:fillRef>
+          <a:effectRef idx="0">
+            <a:schemeClr val="accent1"/>
+          </a:effectRef>
+          <a:fontRef idx="minor">
+            <a:schemeClr val="tx1"/>
+          </a:fontRef>
+        </p:style>
+      </p:cxnSp>
+      <p:cxnSp>
+        <p:nvCxnSpPr>
+          <p:cNvPr id="33" name="直線接點 32">
+            <a:extLst>
+              <a:ext uri="{FF2B5EF4-FFF2-40B4-BE49-F238E27FC236}">
+                <a16:creationId xmlns:a16="http://schemas.microsoft.com/office/drawing/2014/main" id="{329C0498-F5B6-4545-9AE4-E47D1A1A50BE}"/>
+              </a:ext>
+            </a:extLst>
+          </p:cNvPr>
+          <p:cNvCxnSpPr/>
+          <p:nvPr/>
+        </p:nvCxnSpPr>
+        <p:spPr>
+          <a:xfrm>
+            <a:off x="3486150" y="876300"/>
+            <a:ext cx="0" cy="5276850"/>
+          </a:xfrm>
+          <a:prstGeom prst="line">
+            <a:avLst/>
+          </a:prstGeom>
+          <a:ln>
+            <a:solidFill>
+              <a:schemeClr val="bg1">
+                <a:lumMod val="85000"/>
+              </a:schemeClr>
+            </a:solidFill>
+            <a:prstDash val="lgDash"/>
+          </a:ln>
+        </p:spPr>
+        <p:style>
+          <a:lnRef idx="1">
+            <a:schemeClr val="accent1"/>
+          </a:lnRef>
+          <a:fillRef idx="0">
+            <a:schemeClr val="accent1"/>
+          </a:fillRef>
+          <a:effectRef idx="0">
+            <a:schemeClr val="accent1"/>
+          </a:effectRef>
+          <a:fontRef idx="minor">
+            <a:schemeClr val="tx1"/>
+          </a:fontRef>
+        </p:style>
+      </p:cxnSp>
+      <p:cxnSp>
+        <p:nvCxnSpPr>
+          <p:cNvPr id="34" name="直線接點 33">
+            <a:extLst>
+              <a:ext uri="{FF2B5EF4-FFF2-40B4-BE49-F238E27FC236}">
+                <a16:creationId xmlns:a16="http://schemas.microsoft.com/office/drawing/2014/main" id="{4F563DAB-96FD-4BE2-A586-B07ED9DE4A9E}"/>
+              </a:ext>
+            </a:extLst>
+          </p:cNvPr>
+          <p:cNvCxnSpPr/>
+          <p:nvPr/>
+        </p:nvCxnSpPr>
+        <p:spPr>
+          <a:xfrm>
+            <a:off x="3867150" y="876300"/>
+            <a:ext cx="0" cy="5276850"/>
+          </a:xfrm>
+          <a:prstGeom prst="line">
+            <a:avLst/>
+          </a:prstGeom>
+          <a:ln>
+            <a:solidFill>
+              <a:schemeClr val="bg1">
+                <a:lumMod val="85000"/>
+              </a:schemeClr>
+            </a:solidFill>
+            <a:prstDash val="lgDash"/>
+          </a:ln>
+        </p:spPr>
+        <p:style>
+          <a:lnRef idx="1">
+            <a:schemeClr val="accent1"/>
+          </a:lnRef>
+          <a:fillRef idx="0">
+            <a:schemeClr val="accent1"/>
+          </a:fillRef>
+          <a:effectRef idx="0">
+            <a:schemeClr val="accent1"/>
+          </a:effectRef>
+          <a:fontRef idx="minor">
+            <a:schemeClr val="tx1"/>
+          </a:fontRef>
+        </p:style>
+      </p:cxnSp>
+      <p:cxnSp>
+        <p:nvCxnSpPr>
+          <p:cNvPr id="35" name="直線接點 34">
+            <a:extLst>
+              <a:ext uri="{FF2B5EF4-FFF2-40B4-BE49-F238E27FC236}">
+                <a16:creationId xmlns:a16="http://schemas.microsoft.com/office/drawing/2014/main" id="{16DB6E01-7415-4241-BED5-DAFCAEC4BD32}"/>
+              </a:ext>
+            </a:extLst>
+          </p:cNvPr>
+          <p:cNvCxnSpPr/>
+          <p:nvPr/>
+        </p:nvCxnSpPr>
+        <p:spPr>
+          <a:xfrm>
+            <a:off x="4273550" y="876300"/>
+            <a:ext cx="0" cy="5276850"/>
+          </a:xfrm>
+          <a:prstGeom prst="line">
+            <a:avLst/>
+          </a:prstGeom>
+          <a:ln>
+            <a:solidFill>
+              <a:schemeClr val="bg1">
+                <a:lumMod val="85000"/>
+              </a:schemeClr>
+            </a:solidFill>
+            <a:prstDash val="lgDash"/>
+          </a:ln>
+        </p:spPr>
+        <p:style>
+          <a:lnRef idx="1">
+            <a:schemeClr val="accent1"/>
+          </a:lnRef>
+          <a:fillRef idx="0">
+            <a:schemeClr val="accent1"/>
+          </a:fillRef>
+          <a:effectRef idx="0">
+            <a:schemeClr val="accent1"/>
+          </a:effectRef>
+          <a:fontRef idx="minor">
+            <a:schemeClr val="tx1"/>
+          </a:fontRef>
+        </p:style>
+      </p:cxnSp>
+      <p:cxnSp>
+        <p:nvCxnSpPr>
+          <p:cNvPr id="36" name="直線接點 35">
+            <a:extLst>
+              <a:ext uri="{FF2B5EF4-FFF2-40B4-BE49-F238E27FC236}">
+                <a16:creationId xmlns:a16="http://schemas.microsoft.com/office/drawing/2014/main" id="{0F7024B1-6B5D-47BC-A180-46BF5A1D726A}"/>
+              </a:ext>
+            </a:extLst>
+          </p:cNvPr>
+          <p:cNvCxnSpPr/>
+          <p:nvPr/>
+        </p:nvCxnSpPr>
+        <p:spPr>
+          <a:xfrm>
+            <a:off x="4648200" y="876300"/>
+            <a:ext cx="0" cy="5276850"/>
+          </a:xfrm>
+          <a:prstGeom prst="line">
+            <a:avLst/>
+          </a:prstGeom>
+          <a:ln>
+            <a:solidFill>
+              <a:schemeClr val="bg1">
+                <a:lumMod val="85000"/>
+              </a:schemeClr>
+            </a:solidFill>
+            <a:prstDash val="lgDash"/>
+          </a:ln>
+        </p:spPr>
+        <p:style>
+          <a:lnRef idx="1">
+            <a:schemeClr val="accent1"/>
+          </a:lnRef>
+          <a:fillRef idx="0">
+            <a:schemeClr val="accent1"/>
+          </a:fillRef>
+          <a:effectRef idx="0">
+            <a:schemeClr val="accent1"/>
+          </a:effectRef>
+          <a:fontRef idx="minor">
+            <a:schemeClr val="tx1"/>
+          </a:fontRef>
+        </p:style>
+      </p:cxnSp>
+      <p:cxnSp>
+        <p:nvCxnSpPr>
+          <p:cNvPr id="37" name="直線接點 36">
+            <a:extLst>
+              <a:ext uri="{FF2B5EF4-FFF2-40B4-BE49-F238E27FC236}">
+                <a16:creationId xmlns:a16="http://schemas.microsoft.com/office/drawing/2014/main" id="{9A4F7BD4-4047-4F01-B0E1-7DDD4B5880A3}"/>
+              </a:ext>
+            </a:extLst>
+          </p:cNvPr>
+          <p:cNvCxnSpPr/>
+          <p:nvPr/>
+        </p:nvCxnSpPr>
+        <p:spPr>
+          <a:xfrm>
+            <a:off x="5016500" y="876300"/>
+            <a:ext cx="0" cy="5276850"/>
+          </a:xfrm>
+          <a:prstGeom prst="line">
+            <a:avLst/>
+          </a:prstGeom>
+          <a:ln>
+            <a:solidFill>
+              <a:schemeClr val="tx1"/>
+            </a:solidFill>
+            <a:prstDash val="lgDash"/>
+          </a:ln>
+        </p:spPr>
+        <p:style>
+          <a:lnRef idx="1">
+            <a:schemeClr val="accent1"/>
+          </a:lnRef>
+          <a:fillRef idx="0">
+            <a:schemeClr val="accent1"/>
+          </a:fillRef>
+          <a:effectRef idx="0">
+            <a:schemeClr val="accent1"/>
+          </a:effectRef>
+          <a:fontRef idx="minor">
+            <a:schemeClr val="tx1"/>
+          </a:fontRef>
+        </p:style>
+      </p:cxnSp>
+      <p:cxnSp>
+        <p:nvCxnSpPr>
+          <p:cNvPr id="38" name="直線接點 37">
+            <a:extLst>
+              <a:ext uri="{FF2B5EF4-FFF2-40B4-BE49-F238E27FC236}">
+                <a16:creationId xmlns:a16="http://schemas.microsoft.com/office/drawing/2014/main" id="{3CA76B71-013E-43DC-A72F-AE4244FCBE82}"/>
+              </a:ext>
+            </a:extLst>
+          </p:cNvPr>
+          <p:cNvCxnSpPr/>
+          <p:nvPr/>
+        </p:nvCxnSpPr>
+        <p:spPr>
+          <a:xfrm>
+            <a:off x="5397500" y="876300"/>
+            <a:ext cx="0" cy="5276850"/>
+          </a:xfrm>
+          <a:prstGeom prst="line">
+            <a:avLst/>
+          </a:prstGeom>
+          <a:ln>
+            <a:solidFill>
+              <a:schemeClr val="bg1">
+                <a:lumMod val="85000"/>
+              </a:schemeClr>
+            </a:solidFill>
+            <a:prstDash val="lgDash"/>
+          </a:ln>
+        </p:spPr>
+        <p:style>
+          <a:lnRef idx="1">
+            <a:schemeClr val="accent1"/>
+          </a:lnRef>
+          <a:fillRef idx="0">
+            <a:schemeClr val="accent1"/>
+          </a:fillRef>
+          <a:effectRef idx="0">
+            <a:schemeClr val="accent1"/>
+          </a:effectRef>
+          <a:fontRef idx="minor">
+            <a:schemeClr val="tx1"/>
+          </a:fontRef>
+        </p:style>
+      </p:cxnSp>
+      <p:cxnSp>
+        <p:nvCxnSpPr>
+          <p:cNvPr id="39" name="直線接點 38">
+            <a:extLst>
+              <a:ext uri="{FF2B5EF4-FFF2-40B4-BE49-F238E27FC236}">
+                <a16:creationId xmlns:a16="http://schemas.microsoft.com/office/drawing/2014/main" id="{923C748C-A5CA-4447-861D-20DBB994411A}"/>
+              </a:ext>
+            </a:extLst>
+          </p:cNvPr>
+          <p:cNvCxnSpPr/>
+          <p:nvPr/>
+        </p:nvCxnSpPr>
+        <p:spPr>
+          <a:xfrm>
+            <a:off x="5778500" y="876300"/>
+            <a:ext cx="0" cy="5276850"/>
+          </a:xfrm>
+          <a:prstGeom prst="line">
+            <a:avLst/>
+          </a:prstGeom>
+          <a:ln>
+            <a:solidFill>
+              <a:schemeClr val="bg1">
+                <a:lumMod val="85000"/>
+              </a:schemeClr>
+            </a:solidFill>
+            <a:prstDash val="lgDash"/>
+          </a:ln>
+        </p:spPr>
+        <p:style>
+          <a:lnRef idx="1">
+            <a:schemeClr val="accent1"/>
+          </a:lnRef>
+          <a:fillRef idx="0">
+            <a:schemeClr val="accent1"/>
+          </a:fillRef>
+          <a:effectRef idx="0">
+            <a:schemeClr val="accent1"/>
+          </a:effectRef>
+          <a:fontRef idx="minor">
+            <a:schemeClr val="tx1"/>
+          </a:fontRef>
+        </p:style>
+      </p:cxnSp>
+      <p:cxnSp>
+        <p:nvCxnSpPr>
+          <p:cNvPr id="40" name="直線接點 39">
+            <a:extLst>
+              <a:ext uri="{FF2B5EF4-FFF2-40B4-BE49-F238E27FC236}">
+                <a16:creationId xmlns:a16="http://schemas.microsoft.com/office/drawing/2014/main" id="{8A75385B-D746-4ECC-A1A5-3585E621657F}"/>
+              </a:ext>
+            </a:extLst>
+          </p:cNvPr>
+          <p:cNvCxnSpPr/>
+          <p:nvPr/>
+        </p:nvCxnSpPr>
+        <p:spPr>
+          <a:xfrm>
+            <a:off x="6184900" y="876300"/>
+            <a:ext cx="0" cy="5276850"/>
+          </a:xfrm>
+          <a:prstGeom prst="line">
+            <a:avLst/>
+          </a:prstGeom>
+          <a:ln>
+            <a:solidFill>
+              <a:schemeClr val="bg1">
+                <a:lumMod val="85000"/>
+              </a:schemeClr>
+            </a:solidFill>
+            <a:prstDash val="lgDash"/>
+          </a:ln>
+        </p:spPr>
+        <p:style>
+          <a:lnRef idx="1">
+            <a:schemeClr val="accent1"/>
+          </a:lnRef>
+          <a:fillRef idx="0">
+            <a:schemeClr val="accent1"/>
+          </a:fillRef>
+          <a:effectRef idx="0">
+            <a:schemeClr val="accent1"/>
+          </a:effectRef>
+          <a:fontRef idx="minor">
+            <a:schemeClr val="tx1"/>
+          </a:fontRef>
+        </p:style>
+      </p:cxnSp>
+      <p:cxnSp>
+        <p:nvCxnSpPr>
+          <p:cNvPr id="41" name="直線接點 40">
+            <a:extLst>
+              <a:ext uri="{FF2B5EF4-FFF2-40B4-BE49-F238E27FC236}">
+                <a16:creationId xmlns:a16="http://schemas.microsoft.com/office/drawing/2014/main" id="{36B8497A-B860-4EA1-BC8B-035829262972}"/>
+              </a:ext>
+            </a:extLst>
+          </p:cNvPr>
+          <p:cNvCxnSpPr/>
+          <p:nvPr/>
+        </p:nvCxnSpPr>
+        <p:spPr>
+          <a:xfrm>
+            <a:off x="6553200" y="876300"/>
+            <a:ext cx="0" cy="5276850"/>
+          </a:xfrm>
+          <a:prstGeom prst="line">
+            <a:avLst/>
+          </a:prstGeom>
+          <a:ln>
+            <a:solidFill>
+              <a:schemeClr val="bg1">
+                <a:lumMod val="85000"/>
+              </a:schemeClr>
+            </a:solidFill>
+            <a:prstDash val="lgDash"/>
+          </a:ln>
+        </p:spPr>
+        <p:style>
+          <a:lnRef idx="1">
+            <a:schemeClr val="accent1"/>
+          </a:lnRef>
+          <a:fillRef idx="0">
+            <a:schemeClr val="accent1"/>
+          </a:fillRef>
+          <a:effectRef idx="0">
+            <a:schemeClr val="accent1"/>
+          </a:effectRef>
+          <a:fontRef idx="minor">
+            <a:schemeClr val="tx1"/>
+          </a:fontRef>
+        </p:style>
+      </p:cxnSp>
+      <p:cxnSp>
+        <p:nvCxnSpPr>
+          <p:cNvPr id="42" name="直線接點 41">
+            <a:extLst>
+              <a:ext uri="{FF2B5EF4-FFF2-40B4-BE49-F238E27FC236}">
+                <a16:creationId xmlns:a16="http://schemas.microsoft.com/office/drawing/2014/main" id="{DF42E65F-7650-4F4F-8B71-A860CA763AF0}"/>
+              </a:ext>
+            </a:extLst>
+          </p:cNvPr>
+          <p:cNvCxnSpPr/>
+          <p:nvPr/>
+        </p:nvCxnSpPr>
+        <p:spPr>
+          <a:xfrm>
+            <a:off x="6921500" y="876300"/>
+            <a:ext cx="0" cy="5276850"/>
+          </a:xfrm>
+          <a:prstGeom prst="line">
+            <a:avLst/>
+          </a:prstGeom>
+          <a:ln>
+            <a:solidFill>
+              <a:schemeClr val="tx1"/>
+            </a:solidFill>
+            <a:prstDash val="lgDash"/>
+          </a:ln>
+        </p:spPr>
+        <p:style>
+          <a:lnRef idx="1">
+            <a:schemeClr val="accent1"/>
+          </a:lnRef>
+          <a:fillRef idx="0">
+            <a:schemeClr val="accent1"/>
+          </a:fillRef>
+          <a:effectRef idx="0">
+            <a:schemeClr val="accent1"/>
+          </a:effectRef>
+          <a:fontRef idx="minor">
+            <a:schemeClr val="tx1"/>
+          </a:fontRef>
+        </p:style>
+      </p:cxnSp>
+      <p:cxnSp>
+        <p:nvCxnSpPr>
+          <p:cNvPr id="43" name="直線接點 42">
+            <a:extLst>
+              <a:ext uri="{FF2B5EF4-FFF2-40B4-BE49-F238E27FC236}">
+                <a16:creationId xmlns:a16="http://schemas.microsoft.com/office/drawing/2014/main" id="{342308A6-A496-42A0-9001-63E80D8F6336}"/>
+              </a:ext>
+            </a:extLst>
+          </p:cNvPr>
+          <p:cNvCxnSpPr/>
+          <p:nvPr/>
+        </p:nvCxnSpPr>
+        <p:spPr>
+          <a:xfrm>
+            <a:off x="7302500" y="876300"/>
+            <a:ext cx="0" cy="5276850"/>
+          </a:xfrm>
+          <a:prstGeom prst="line">
+            <a:avLst/>
+          </a:prstGeom>
+          <a:ln>
+            <a:solidFill>
+              <a:schemeClr val="bg1">
+                <a:lumMod val="85000"/>
+              </a:schemeClr>
+            </a:solidFill>
+            <a:prstDash val="lgDash"/>
+          </a:ln>
+        </p:spPr>
+        <p:style>
+          <a:lnRef idx="1">
+            <a:schemeClr val="accent1"/>
+          </a:lnRef>
+          <a:fillRef idx="0">
+            <a:schemeClr val="accent1"/>
+          </a:fillRef>
+          <a:effectRef idx="0">
+            <a:schemeClr val="accent1"/>
+          </a:effectRef>
+          <a:fontRef idx="minor">
+            <a:schemeClr val="tx1"/>
+          </a:fontRef>
+        </p:style>
+      </p:cxnSp>
+      <p:cxnSp>
+        <p:nvCxnSpPr>
+          <p:cNvPr id="44" name="直線接點 43">
+            <a:extLst>
+              <a:ext uri="{FF2B5EF4-FFF2-40B4-BE49-F238E27FC236}">
+                <a16:creationId xmlns:a16="http://schemas.microsoft.com/office/drawing/2014/main" id="{A687D678-F7D6-40B0-99F3-9347907D730A}"/>
+              </a:ext>
+            </a:extLst>
+          </p:cNvPr>
+          <p:cNvCxnSpPr/>
+          <p:nvPr/>
+        </p:nvCxnSpPr>
+        <p:spPr>
+          <a:xfrm>
+            <a:off x="7683500" y="876300"/>
+            <a:ext cx="0" cy="5276850"/>
+          </a:xfrm>
+          <a:prstGeom prst="line">
+            <a:avLst/>
+          </a:prstGeom>
+          <a:ln>
+            <a:solidFill>
+              <a:schemeClr val="bg1">
+                <a:lumMod val="85000"/>
+              </a:schemeClr>
+            </a:solidFill>
+            <a:prstDash val="lgDash"/>
+          </a:ln>
+        </p:spPr>
+        <p:style>
+          <a:lnRef idx="1">
+            <a:schemeClr val="accent1"/>
+          </a:lnRef>
+          <a:fillRef idx="0">
+            <a:schemeClr val="accent1"/>
+          </a:fillRef>
+          <a:effectRef idx="0">
+            <a:schemeClr val="accent1"/>
+          </a:effectRef>
+          <a:fontRef idx="minor">
+            <a:schemeClr val="tx1"/>
+          </a:fontRef>
+        </p:style>
+      </p:cxnSp>
+      <p:cxnSp>
+        <p:nvCxnSpPr>
+          <p:cNvPr id="45" name="直線接點 44">
+            <a:extLst>
+              <a:ext uri="{FF2B5EF4-FFF2-40B4-BE49-F238E27FC236}">
+                <a16:creationId xmlns:a16="http://schemas.microsoft.com/office/drawing/2014/main" id="{64395474-827F-4A31-8362-565E78DBB342}"/>
+              </a:ext>
+            </a:extLst>
+          </p:cNvPr>
+          <p:cNvCxnSpPr/>
+          <p:nvPr/>
+        </p:nvCxnSpPr>
+        <p:spPr>
+          <a:xfrm>
+            <a:off x="8089900" y="876300"/>
+            <a:ext cx="0" cy="5276850"/>
+          </a:xfrm>
+          <a:prstGeom prst="line">
+            <a:avLst/>
+          </a:prstGeom>
+          <a:ln>
+            <a:solidFill>
+              <a:schemeClr val="bg1">
+                <a:lumMod val="85000"/>
+              </a:schemeClr>
+            </a:solidFill>
+            <a:prstDash val="lgDash"/>
+          </a:ln>
+        </p:spPr>
+        <p:style>
+          <a:lnRef idx="1">
+            <a:schemeClr val="accent1"/>
+          </a:lnRef>
+          <a:fillRef idx="0">
+            <a:schemeClr val="accent1"/>
+          </a:fillRef>
+          <a:effectRef idx="0">
+            <a:schemeClr val="accent1"/>
+          </a:effectRef>
+          <a:fontRef idx="minor">
+            <a:schemeClr val="tx1"/>
+          </a:fontRef>
+        </p:style>
+      </p:cxnSp>
+      <p:sp>
+        <p:nvSpPr>
+          <p:cNvPr id="48" name="文字方塊 47">
+            <a:extLst>
+              <a:ext uri="{FF2B5EF4-FFF2-40B4-BE49-F238E27FC236}">
+                <a16:creationId xmlns:a16="http://schemas.microsoft.com/office/drawing/2014/main" id="{B0914EE9-C086-406A-9C4C-962561D822C7}"/>
+              </a:ext>
+            </a:extLst>
+          </p:cNvPr>
+          <p:cNvSpPr txBox="1"/>
+          <p:nvPr/>
+        </p:nvSpPr>
+        <p:spPr>
+          <a:xfrm>
+            <a:off x="971550" y="590550"/>
+            <a:ext cx="6276077" cy="369332"/>
+          </a:xfrm>
+          <a:prstGeom prst="rect">
+            <a:avLst/>
+          </a:prstGeom>
+          <a:noFill/>
+        </p:spPr>
+        <p:txBody>
+          <a:bodyPr wrap="none" rtlCol="0">
+            <a:spAutoFit/>
+          </a:bodyPr>
+          <a:lstStyle/>
+          <a:p>
+            <a:r>
+              <a:rPr lang="en-US" dirty="0"/>
+              <a:t>-5		   0		     5 		     10</a:t>
+            </a:r>
+          </a:p>
+        </p:txBody>
+      </p:sp>
+      <p:sp>
+        <p:nvSpPr>
+          <p:cNvPr id="49" name="矩形 48">
+            <a:extLst>
+              <a:ext uri="{FF2B5EF4-FFF2-40B4-BE49-F238E27FC236}">
+                <a16:creationId xmlns:a16="http://schemas.microsoft.com/office/drawing/2014/main" id="{B59C97FA-1E40-4102-8858-94C7CFB7212D}"/>
+              </a:ext>
+            </a:extLst>
+          </p:cNvPr>
+          <p:cNvSpPr/>
+          <p:nvPr/>
+        </p:nvSpPr>
+        <p:spPr>
+          <a:xfrm>
+            <a:off x="3486150" y="1098550"/>
+            <a:ext cx="3435349" cy="311150"/>
+          </a:xfrm>
+          <a:prstGeom prst="rect">
+            <a:avLst/>
+          </a:prstGeom>
+        </p:spPr>
+        <p:style>
+          <a:lnRef idx="2">
+            <a:schemeClr val="accent1">
+              <a:shade val="50000"/>
+            </a:schemeClr>
+          </a:lnRef>
+          <a:fillRef idx="1">
+            <a:schemeClr val="accent1"/>
+          </a:fillRef>
+          <a:effectRef idx="0">
+            <a:schemeClr val="accent1"/>
+          </a:effectRef>
+          <a:fontRef idx="minor">
+            <a:schemeClr val="lt1"/>
+          </a:fontRef>
+        </p:style>
+        <p:txBody>
+          <a:bodyPr rtlCol="0" anchor="ctr"/>
+          <a:lstStyle/>
+          <a:p>
+            <a:pPr algn="ctr"/>
+            <a:r>
+              <a:rPr lang="en-US" dirty="0"/>
+              <a:t>A</a:t>
+            </a:r>
+          </a:p>
+        </p:txBody>
+      </p:sp>
+      <p:sp>
+        <p:nvSpPr>
+          <p:cNvPr id="50" name="矩形 49">
+            <a:extLst>
+              <a:ext uri="{FF2B5EF4-FFF2-40B4-BE49-F238E27FC236}">
+                <a16:creationId xmlns:a16="http://schemas.microsoft.com/office/drawing/2014/main" id="{60169BD7-E0E5-496B-9EAE-0C4DBF2553BF}"/>
+              </a:ext>
+            </a:extLst>
+          </p:cNvPr>
+          <p:cNvSpPr/>
+          <p:nvPr/>
+        </p:nvSpPr>
+        <p:spPr>
+          <a:xfrm>
+            <a:off x="3867150" y="1435101"/>
+            <a:ext cx="412751" cy="311150"/>
+          </a:xfrm>
+          <a:prstGeom prst="rect">
+            <a:avLst/>
+          </a:prstGeom>
+        </p:spPr>
+        <p:style>
+          <a:lnRef idx="2">
+            <a:schemeClr val="accent1">
+              <a:shade val="50000"/>
+            </a:schemeClr>
+          </a:lnRef>
+          <a:fillRef idx="1">
+            <a:schemeClr val="accent1"/>
+          </a:fillRef>
+          <a:effectRef idx="0">
+            <a:schemeClr val="accent1"/>
+          </a:effectRef>
+          <a:fontRef idx="minor">
+            <a:schemeClr val="lt1"/>
+          </a:fontRef>
+        </p:style>
+        <p:txBody>
+          <a:bodyPr rtlCol="0" anchor="ctr"/>
+          <a:lstStyle/>
+          <a:p>
+            <a:pPr algn="ctr"/>
+            <a:r>
+              <a:rPr lang="en-US" dirty="0"/>
+              <a:t>B</a:t>
+            </a:r>
+          </a:p>
+        </p:txBody>
+      </p:sp>
+      <p:sp>
+        <p:nvSpPr>
+          <p:cNvPr id="51" name="矩形 50">
+            <a:extLst>
+              <a:ext uri="{FF2B5EF4-FFF2-40B4-BE49-F238E27FC236}">
+                <a16:creationId xmlns:a16="http://schemas.microsoft.com/office/drawing/2014/main" id="{86043D21-C596-4D57-BAF8-87E4AAC16F1B}"/>
+              </a:ext>
+            </a:extLst>
+          </p:cNvPr>
+          <p:cNvSpPr/>
+          <p:nvPr/>
+        </p:nvSpPr>
+        <p:spPr>
+          <a:xfrm>
+            <a:off x="4654549" y="1435101"/>
+            <a:ext cx="1898649" cy="311150"/>
+          </a:xfrm>
+          <a:prstGeom prst="rect">
+            <a:avLst/>
+          </a:prstGeom>
+        </p:spPr>
+        <p:style>
+          <a:lnRef idx="2">
+            <a:schemeClr val="accent1">
+              <a:shade val="50000"/>
+            </a:schemeClr>
+          </a:lnRef>
+          <a:fillRef idx="1">
+            <a:schemeClr val="accent1"/>
+          </a:fillRef>
+          <a:effectRef idx="0">
+            <a:schemeClr val="accent1"/>
+          </a:effectRef>
+          <a:fontRef idx="minor">
+            <a:schemeClr val="lt1"/>
+          </a:fontRef>
+        </p:style>
+        <p:txBody>
+          <a:bodyPr rtlCol="0" anchor="ctr"/>
+          <a:lstStyle/>
+          <a:p>
+            <a:pPr algn="ctr"/>
+            <a:r>
+              <a:rPr lang="en-US" dirty="0"/>
+              <a:t>C</a:t>
+            </a:r>
+          </a:p>
+        </p:txBody>
+      </p:sp>
+      <p:sp>
+        <p:nvSpPr>
+          <p:cNvPr id="52" name="矩形 51">
+            <a:extLst>
+              <a:ext uri="{FF2B5EF4-FFF2-40B4-BE49-F238E27FC236}">
+                <a16:creationId xmlns:a16="http://schemas.microsoft.com/office/drawing/2014/main" id="{E1973BFF-C370-4E25-BC66-540B284C05E0}"/>
+              </a:ext>
+            </a:extLst>
+          </p:cNvPr>
+          <p:cNvSpPr/>
+          <p:nvPr/>
+        </p:nvSpPr>
+        <p:spPr>
+          <a:xfrm>
+            <a:off x="5029200" y="1771652"/>
+            <a:ext cx="374650" cy="311150"/>
+          </a:xfrm>
+          <a:prstGeom prst="rect">
+            <a:avLst/>
+          </a:prstGeom>
+        </p:spPr>
+        <p:style>
+          <a:lnRef idx="2">
+            <a:schemeClr val="accent1">
+              <a:shade val="50000"/>
+            </a:schemeClr>
+          </a:lnRef>
+          <a:fillRef idx="1">
+            <a:schemeClr val="accent1"/>
+          </a:fillRef>
+          <a:effectRef idx="0">
+            <a:schemeClr val="accent1"/>
+          </a:effectRef>
+          <a:fontRef idx="minor">
+            <a:schemeClr val="lt1"/>
+          </a:fontRef>
+        </p:style>
+        <p:txBody>
+          <a:bodyPr rtlCol="0" anchor="ctr"/>
+          <a:lstStyle/>
+          <a:p>
+            <a:pPr algn="ctr"/>
+            <a:r>
+              <a:rPr lang="en-US" dirty="0"/>
+              <a:t>D</a:t>
+            </a:r>
+          </a:p>
+        </p:txBody>
+      </p:sp>
+      <p:sp>
+        <p:nvSpPr>
+          <p:cNvPr id="53" name="矩形 52">
+            <a:extLst>
+              <a:ext uri="{FF2B5EF4-FFF2-40B4-BE49-F238E27FC236}">
+                <a16:creationId xmlns:a16="http://schemas.microsoft.com/office/drawing/2014/main" id="{5296FC3B-0FCB-4509-AE0A-AE509AEB55E0}"/>
+              </a:ext>
+            </a:extLst>
+          </p:cNvPr>
+          <p:cNvSpPr/>
+          <p:nvPr/>
+        </p:nvSpPr>
+        <p:spPr>
+          <a:xfrm>
+            <a:off x="5778500" y="1771652"/>
+            <a:ext cx="374650" cy="311150"/>
+          </a:xfrm>
+          <a:prstGeom prst="rect">
+            <a:avLst/>
+          </a:prstGeom>
+        </p:spPr>
+        <p:style>
+          <a:lnRef idx="2">
+            <a:schemeClr val="accent1">
+              <a:shade val="50000"/>
+            </a:schemeClr>
+          </a:lnRef>
+          <a:fillRef idx="1">
+            <a:schemeClr val="accent1"/>
+          </a:fillRef>
+          <a:effectRef idx="0">
+            <a:schemeClr val="accent1"/>
+          </a:effectRef>
+          <a:fontRef idx="minor">
+            <a:schemeClr val="lt1"/>
+          </a:fontRef>
+        </p:style>
+        <p:txBody>
+          <a:bodyPr rtlCol="0" anchor="ctr"/>
+          <a:lstStyle/>
+          <a:p>
+            <a:pPr algn="ctr"/>
+            <a:r>
+              <a:rPr lang="en-US" dirty="0"/>
+              <a:t>E</a:t>
+            </a:r>
+          </a:p>
+        </p:txBody>
+      </p:sp>
+    </p:spTree>
+    <p:extLst>
+      <p:ext uri="{BB962C8B-B14F-4D97-AF65-F5344CB8AC3E}">
+        <p14:creationId xmlns:p14="http://schemas.microsoft.com/office/powerpoint/2010/main" val="1816264756"/>
+      </p:ext>
+    </p:extLst>
+  </p:cSld>
+  <p:clrMapOvr>
+    <a:masterClrMapping/>
+  </p:clrMapOvr>
+</p:sld>
+</file>
+
+<file path=ppt/slides/slide4.xml><?xml version="1.0" encoding="utf-8"?>
+<p:sld xmlns:a="http://schemas.openxmlformats.org/drawingml/2006/main" xmlns:r="http://schemas.openxmlformats.org/officeDocument/2006/relationships" xmlns:p="http://schemas.openxmlformats.org/presentationml/2006/main">
+  <p:cSld>
+    <p:spTree>
+      <p:nvGrpSpPr>
+        <p:cNvPr id="1" name=""/>
+        <p:cNvGrpSpPr/>
+        <p:nvPr/>
+      </p:nvGrpSpPr>
+      <p:grpSpPr>
+        <a:xfrm>
+          <a:off x="0" y="0"/>
+          <a:ext cx="0" cy="0"/>
+          <a:chOff x="0" y="0"/>
+          <a:chExt cx="0" cy="0"/>
+        </a:xfrm>
+      </p:grpSpPr>
+      <p:cxnSp>
+        <p:nvCxnSpPr>
+          <p:cNvPr id="5" name="直線接點 4">
+            <a:extLst>
+              <a:ext uri="{FF2B5EF4-FFF2-40B4-BE49-F238E27FC236}">
+                <a16:creationId xmlns:a16="http://schemas.microsoft.com/office/drawing/2014/main" id="{6772F55E-4DEE-4021-B167-40FF2BA347A6}"/>
+              </a:ext>
+            </a:extLst>
+          </p:cNvPr>
+          <p:cNvCxnSpPr>
+            <a:cxnSpLocks/>
+          </p:cNvCxnSpPr>
+          <p:nvPr/>
+        </p:nvCxnSpPr>
+        <p:spPr>
+          <a:xfrm>
+            <a:off x="482600" y="952500"/>
+            <a:ext cx="8020050" cy="0"/>
+          </a:xfrm>
+          <a:prstGeom prst="line">
+            <a:avLst/>
+          </a:prstGeom>
+          <a:ln>
+            <a:headEnd type="none" w="med" len="med"/>
+            <a:tailEnd type="triangle" w="med" len="med"/>
+          </a:ln>
+        </p:spPr>
+        <p:style>
+          <a:lnRef idx="1">
+            <a:schemeClr val="accent1"/>
+          </a:lnRef>
+          <a:fillRef idx="0">
+            <a:schemeClr val="accent1"/>
+          </a:fillRef>
+          <a:effectRef idx="0">
+            <a:schemeClr val="accent1"/>
+          </a:effectRef>
+          <a:fontRef idx="minor">
+            <a:schemeClr val="tx1"/>
+          </a:fontRef>
+        </p:style>
+      </p:cxnSp>
+      <p:cxnSp>
+        <p:nvCxnSpPr>
+          <p:cNvPr id="26" name="直線接點 25">
+            <a:extLst>
+              <a:ext uri="{FF2B5EF4-FFF2-40B4-BE49-F238E27FC236}">
+                <a16:creationId xmlns:a16="http://schemas.microsoft.com/office/drawing/2014/main" id="{C96082B3-EB6C-4D5E-B9B0-C8E306FC04E4}"/>
+              </a:ext>
+            </a:extLst>
+          </p:cNvPr>
+          <p:cNvCxnSpPr/>
+          <p:nvPr/>
+        </p:nvCxnSpPr>
+        <p:spPr>
+          <a:xfrm>
+            <a:off x="806450" y="876300"/>
+            <a:ext cx="0" cy="5276850"/>
+          </a:xfrm>
+          <a:prstGeom prst="line">
+            <a:avLst/>
+          </a:prstGeom>
+          <a:ln>
+            <a:solidFill>
+              <a:schemeClr val="bg1">
+                <a:lumMod val="85000"/>
+              </a:schemeClr>
+            </a:solidFill>
+            <a:prstDash val="lgDash"/>
+          </a:ln>
+        </p:spPr>
+        <p:style>
+          <a:lnRef idx="1">
+            <a:schemeClr val="accent1"/>
+          </a:lnRef>
+          <a:fillRef idx="0">
+            <a:schemeClr val="accent1"/>
+          </a:fillRef>
+          <a:effectRef idx="0">
+            <a:schemeClr val="accent1"/>
+          </a:effectRef>
+          <a:fontRef idx="minor">
+            <a:schemeClr val="tx1"/>
+          </a:fontRef>
+        </p:style>
+      </p:cxnSp>
+      <p:cxnSp>
+        <p:nvCxnSpPr>
+          <p:cNvPr id="27" name="直線接點 26">
+            <a:extLst>
+              <a:ext uri="{FF2B5EF4-FFF2-40B4-BE49-F238E27FC236}">
+                <a16:creationId xmlns:a16="http://schemas.microsoft.com/office/drawing/2014/main" id="{E171B812-51C3-486A-ADA3-972B8FE4CFBA}"/>
+              </a:ext>
+            </a:extLst>
+          </p:cNvPr>
+          <p:cNvCxnSpPr/>
+          <p:nvPr/>
+        </p:nvCxnSpPr>
+        <p:spPr>
+          <a:xfrm>
+            <a:off x="1174750" y="876300"/>
+            <a:ext cx="0" cy="5276850"/>
+          </a:xfrm>
+          <a:prstGeom prst="line">
+            <a:avLst/>
+          </a:prstGeom>
+          <a:ln>
+            <a:solidFill>
+              <a:schemeClr val="tx1"/>
+            </a:solidFill>
+            <a:prstDash val="lgDash"/>
+          </a:ln>
+        </p:spPr>
+        <p:style>
+          <a:lnRef idx="1">
+            <a:schemeClr val="accent1"/>
+          </a:lnRef>
+          <a:fillRef idx="0">
+            <a:schemeClr val="accent1"/>
+          </a:fillRef>
+          <a:effectRef idx="0">
+            <a:schemeClr val="accent1"/>
+          </a:effectRef>
+          <a:fontRef idx="minor">
+            <a:schemeClr val="tx1"/>
+          </a:fontRef>
+        </p:style>
+      </p:cxnSp>
+      <p:cxnSp>
+        <p:nvCxnSpPr>
+          <p:cNvPr id="28" name="直線接點 27">
+            <a:extLst>
+              <a:ext uri="{FF2B5EF4-FFF2-40B4-BE49-F238E27FC236}">
+                <a16:creationId xmlns:a16="http://schemas.microsoft.com/office/drawing/2014/main" id="{23A757FF-AE24-4C4B-8685-FEEE0CB17786}"/>
+              </a:ext>
+            </a:extLst>
+          </p:cNvPr>
+          <p:cNvCxnSpPr/>
+          <p:nvPr/>
+        </p:nvCxnSpPr>
+        <p:spPr>
+          <a:xfrm>
+            <a:off x="1555750" y="876300"/>
+            <a:ext cx="0" cy="5276850"/>
+          </a:xfrm>
+          <a:prstGeom prst="line">
+            <a:avLst/>
+          </a:prstGeom>
+          <a:ln>
+            <a:solidFill>
+              <a:schemeClr val="bg1">
+                <a:lumMod val="85000"/>
+              </a:schemeClr>
+            </a:solidFill>
+            <a:prstDash val="lgDash"/>
+          </a:ln>
+        </p:spPr>
+        <p:style>
+          <a:lnRef idx="1">
+            <a:schemeClr val="accent1"/>
+          </a:lnRef>
+          <a:fillRef idx="0">
+            <a:schemeClr val="accent1"/>
+          </a:fillRef>
+          <a:effectRef idx="0">
+            <a:schemeClr val="accent1"/>
+          </a:effectRef>
+          <a:fontRef idx="minor">
+            <a:schemeClr val="tx1"/>
+          </a:fontRef>
+        </p:style>
+      </p:cxnSp>
+      <p:cxnSp>
+        <p:nvCxnSpPr>
+          <p:cNvPr id="29" name="直線接點 28">
+            <a:extLst>
+              <a:ext uri="{FF2B5EF4-FFF2-40B4-BE49-F238E27FC236}">
+                <a16:creationId xmlns:a16="http://schemas.microsoft.com/office/drawing/2014/main" id="{A0A23865-50B8-45C2-A1D1-687880D5682F}"/>
+              </a:ext>
+            </a:extLst>
+          </p:cNvPr>
+          <p:cNvCxnSpPr/>
+          <p:nvPr/>
+        </p:nvCxnSpPr>
+        <p:spPr>
+          <a:xfrm>
+            <a:off x="1936750" y="876300"/>
+            <a:ext cx="0" cy="5276850"/>
+          </a:xfrm>
+          <a:prstGeom prst="line">
+            <a:avLst/>
+          </a:prstGeom>
+          <a:ln>
+            <a:solidFill>
+              <a:schemeClr val="bg1">
+                <a:lumMod val="85000"/>
+              </a:schemeClr>
+            </a:solidFill>
+            <a:prstDash val="lgDash"/>
+          </a:ln>
+        </p:spPr>
+        <p:style>
+          <a:lnRef idx="1">
+            <a:schemeClr val="accent1"/>
+          </a:lnRef>
+          <a:fillRef idx="0">
+            <a:schemeClr val="accent1"/>
+          </a:fillRef>
+          <a:effectRef idx="0">
+            <a:schemeClr val="accent1"/>
+          </a:effectRef>
+          <a:fontRef idx="minor">
+            <a:schemeClr val="tx1"/>
+          </a:fontRef>
+        </p:style>
+      </p:cxnSp>
+      <p:cxnSp>
+        <p:nvCxnSpPr>
+          <p:cNvPr id="30" name="直線接點 29">
+            <a:extLst>
+              <a:ext uri="{FF2B5EF4-FFF2-40B4-BE49-F238E27FC236}">
+                <a16:creationId xmlns:a16="http://schemas.microsoft.com/office/drawing/2014/main" id="{8C4DCB02-1FB9-4AAD-AA3D-F5D73F497758}"/>
+              </a:ext>
+            </a:extLst>
+          </p:cNvPr>
+          <p:cNvCxnSpPr/>
+          <p:nvPr/>
+        </p:nvCxnSpPr>
+        <p:spPr>
+          <a:xfrm>
+            <a:off x="2343150" y="876300"/>
+            <a:ext cx="0" cy="5276850"/>
+          </a:xfrm>
+          <a:prstGeom prst="line">
+            <a:avLst/>
+          </a:prstGeom>
+          <a:ln>
+            <a:solidFill>
+              <a:schemeClr val="bg1">
+                <a:lumMod val="85000"/>
+              </a:schemeClr>
+            </a:solidFill>
+            <a:prstDash val="lgDash"/>
+          </a:ln>
+        </p:spPr>
+        <p:style>
+          <a:lnRef idx="1">
+            <a:schemeClr val="accent1"/>
+          </a:lnRef>
+          <a:fillRef idx="0">
+            <a:schemeClr val="accent1"/>
+          </a:fillRef>
+          <a:effectRef idx="0">
+            <a:schemeClr val="accent1"/>
+          </a:effectRef>
+          <a:fontRef idx="minor">
+            <a:schemeClr val="tx1"/>
+          </a:fontRef>
+        </p:style>
+      </p:cxnSp>
+      <p:cxnSp>
+        <p:nvCxnSpPr>
+          <p:cNvPr id="31" name="直線接點 30">
+            <a:extLst>
+              <a:ext uri="{FF2B5EF4-FFF2-40B4-BE49-F238E27FC236}">
+                <a16:creationId xmlns:a16="http://schemas.microsoft.com/office/drawing/2014/main" id="{4995F1B0-86EA-49A3-9B2C-142B3F0D649C}"/>
+              </a:ext>
+            </a:extLst>
+          </p:cNvPr>
+          <p:cNvCxnSpPr/>
+          <p:nvPr/>
+        </p:nvCxnSpPr>
+        <p:spPr>
+          <a:xfrm>
+            <a:off x="2736850" y="876300"/>
+            <a:ext cx="0" cy="5276850"/>
+          </a:xfrm>
+          <a:prstGeom prst="line">
+            <a:avLst/>
+          </a:prstGeom>
+          <a:ln>
+            <a:solidFill>
+              <a:schemeClr val="bg1">
+                <a:lumMod val="85000"/>
+              </a:schemeClr>
+            </a:solidFill>
+            <a:prstDash val="lgDash"/>
+          </a:ln>
+        </p:spPr>
+        <p:style>
+          <a:lnRef idx="1">
+            <a:schemeClr val="accent1"/>
+          </a:lnRef>
+          <a:fillRef idx="0">
+            <a:schemeClr val="accent1"/>
+          </a:fillRef>
+          <a:effectRef idx="0">
+            <a:schemeClr val="accent1"/>
+          </a:effectRef>
+          <a:fontRef idx="minor">
+            <a:schemeClr val="tx1"/>
+          </a:fontRef>
+        </p:style>
+      </p:cxnSp>
+      <p:cxnSp>
+        <p:nvCxnSpPr>
+          <p:cNvPr id="32" name="直線接點 31">
+            <a:extLst>
+              <a:ext uri="{FF2B5EF4-FFF2-40B4-BE49-F238E27FC236}">
+                <a16:creationId xmlns:a16="http://schemas.microsoft.com/office/drawing/2014/main" id="{4A4B5479-79A9-4E73-AE60-48BB9AE00F7E}"/>
+              </a:ext>
+            </a:extLst>
+          </p:cNvPr>
+          <p:cNvCxnSpPr/>
+          <p:nvPr/>
+        </p:nvCxnSpPr>
+        <p:spPr>
+          <a:xfrm>
+            <a:off x="3105150" y="876300"/>
+            <a:ext cx="0" cy="5276850"/>
+          </a:xfrm>
+          <a:prstGeom prst="line">
+            <a:avLst/>
+          </a:prstGeom>
+          <a:ln>
+            <a:solidFill>
+              <a:schemeClr val="tx1"/>
+            </a:solidFill>
+            <a:prstDash val="lgDash"/>
+          </a:ln>
+        </p:spPr>
+        <p:style>
+          <a:lnRef idx="1">
+            <a:schemeClr val="accent1"/>
+          </a:lnRef>
+          <a:fillRef idx="0">
+            <a:schemeClr val="accent1"/>
+          </a:fillRef>
+          <a:effectRef idx="0">
+            <a:schemeClr val="accent1"/>
+          </a:effectRef>
+          <a:fontRef idx="minor">
+            <a:schemeClr val="tx1"/>
+          </a:fontRef>
+        </p:style>
+      </p:cxnSp>
+      <p:cxnSp>
+        <p:nvCxnSpPr>
+          <p:cNvPr id="33" name="直線接點 32">
+            <a:extLst>
+              <a:ext uri="{FF2B5EF4-FFF2-40B4-BE49-F238E27FC236}">
+                <a16:creationId xmlns:a16="http://schemas.microsoft.com/office/drawing/2014/main" id="{329C0498-F5B6-4545-9AE4-E47D1A1A50BE}"/>
+              </a:ext>
+            </a:extLst>
+          </p:cNvPr>
+          <p:cNvCxnSpPr/>
+          <p:nvPr/>
+        </p:nvCxnSpPr>
+        <p:spPr>
+          <a:xfrm>
+            <a:off x="3486150" y="876300"/>
+            <a:ext cx="0" cy="5276850"/>
+          </a:xfrm>
+          <a:prstGeom prst="line">
+            <a:avLst/>
+          </a:prstGeom>
+          <a:ln>
+            <a:solidFill>
+              <a:schemeClr val="bg1">
+                <a:lumMod val="85000"/>
+              </a:schemeClr>
+            </a:solidFill>
+            <a:prstDash val="lgDash"/>
+          </a:ln>
+        </p:spPr>
+        <p:style>
+          <a:lnRef idx="1">
+            <a:schemeClr val="accent1"/>
+          </a:lnRef>
+          <a:fillRef idx="0">
+            <a:schemeClr val="accent1"/>
+          </a:fillRef>
+          <a:effectRef idx="0">
+            <a:schemeClr val="accent1"/>
+          </a:effectRef>
+          <a:fontRef idx="minor">
+            <a:schemeClr val="tx1"/>
+          </a:fontRef>
+        </p:style>
+      </p:cxnSp>
+      <p:cxnSp>
+        <p:nvCxnSpPr>
+          <p:cNvPr id="34" name="直線接點 33">
+            <a:extLst>
+              <a:ext uri="{FF2B5EF4-FFF2-40B4-BE49-F238E27FC236}">
+                <a16:creationId xmlns:a16="http://schemas.microsoft.com/office/drawing/2014/main" id="{4F563DAB-96FD-4BE2-A586-B07ED9DE4A9E}"/>
+              </a:ext>
+            </a:extLst>
+          </p:cNvPr>
+          <p:cNvCxnSpPr/>
+          <p:nvPr/>
+        </p:nvCxnSpPr>
+        <p:spPr>
+          <a:xfrm>
+            <a:off x="3867150" y="876300"/>
+            <a:ext cx="0" cy="5276850"/>
+          </a:xfrm>
+          <a:prstGeom prst="line">
+            <a:avLst/>
+          </a:prstGeom>
+          <a:ln>
+            <a:solidFill>
+              <a:schemeClr val="bg1">
+                <a:lumMod val="85000"/>
+              </a:schemeClr>
+            </a:solidFill>
+            <a:prstDash val="lgDash"/>
+          </a:ln>
+        </p:spPr>
+        <p:style>
+          <a:lnRef idx="1">
+            <a:schemeClr val="accent1"/>
+          </a:lnRef>
+          <a:fillRef idx="0">
+            <a:schemeClr val="accent1"/>
+          </a:fillRef>
+          <a:effectRef idx="0">
+            <a:schemeClr val="accent1"/>
+          </a:effectRef>
+          <a:fontRef idx="minor">
+            <a:schemeClr val="tx1"/>
+          </a:fontRef>
+        </p:style>
+      </p:cxnSp>
+      <p:cxnSp>
+        <p:nvCxnSpPr>
+          <p:cNvPr id="35" name="直線接點 34">
+            <a:extLst>
+              <a:ext uri="{FF2B5EF4-FFF2-40B4-BE49-F238E27FC236}">
+                <a16:creationId xmlns:a16="http://schemas.microsoft.com/office/drawing/2014/main" id="{16DB6E01-7415-4241-BED5-DAFCAEC4BD32}"/>
+              </a:ext>
+            </a:extLst>
+          </p:cNvPr>
+          <p:cNvCxnSpPr/>
+          <p:nvPr/>
+        </p:nvCxnSpPr>
+        <p:spPr>
+          <a:xfrm>
+            <a:off x="4273550" y="876300"/>
+            <a:ext cx="0" cy="5276850"/>
+          </a:xfrm>
+          <a:prstGeom prst="line">
+            <a:avLst/>
+          </a:prstGeom>
+          <a:ln>
+            <a:solidFill>
+              <a:schemeClr val="bg1">
+                <a:lumMod val="85000"/>
+              </a:schemeClr>
+            </a:solidFill>
+            <a:prstDash val="lgDash"/>
+          </a:ln>
+        </p:spPr>
+        <p:style>
+          <a:lnRef idx="1">
+            <a:schemeClr val="accent1"/>
+          </a:lnRef>
+          <a:fillRef idx="0">
+            <a:schemeClr val="accent1"/>
+          </a:fillRef>
+          <a:effectRef idx="0">
+            <a:schemeClr val="accent1"/>
+          </a:effectRef>
+          <a:fontRef idx="minor">
+            <a:schemeClr val="tx1"/>
+          </a:fontRef>
+        </p:style>
+      </p:cxnSp>
+      <p:cxnSp>
+        <p:nvCxnSpPr>
+          <p:cNvPr id="36" name="直線接點 35">
+            <a:extLst>
+              <a:ext uri="{FF2B5EF4-FFF2-40B4-BE49-F238E27FC236}">
+                <a16:creationId xmlns:a16="http://schemas.microsoft.com/office/drawing/2014/main" id="{0F7024B1-6B5D-47BC-A180-46BF5A1D726A}"/>
+              </a:ext>
+            </a:extLst>
+          </p:cNvPr>
+          <p:cNvCxnSpPr/>
+          <p:nvPr/>
+        </p:nvCxnSpPr>
+        <p:spPr>
+          <a:xfrm>
+            <a:off x="4648200" y="876300"/>
+            <a:ext cx="0" cy="5276850"/>
+          </a:xfrm>
+          <a:prstGeom prst="line">
+            <a:avLst/>
+          </a:prstGeom>
+          <a:ln>
+            <a:solidFill>
+              <a:schemeClr val="bg1">
+                <a:lumMod val="85000"/>
+              </a:schemeClr>
+            </a:solidFill>
+            <a:prstDash val="lgDash"/>
+          </a:ln>
+        </p:spPr>
+        <p:style>
+          <a:lnRef idx="1">
+            <a:schemeClr val="accent1"/>
+          </a:lnRef>
+          <a:fillRef idx="0">
+            <a:schemeClr val="accent1"/>
+          </a:fillRef>
+          <a:effectRef idx="0">
+            <a:schemeClr val="accent1"/>
+          </a:effectRef>
+          <a:fontRef idx="minor">
+            <a:schemeClr val="tx1"/>
+          </a:fontRef>
+        </p:style>
+      </p:cxnSp>
+      <p:cxnSp>
+        <p:nvCxnSpPr>
+          <p:cNvPr id="37" name="直線接點 36">
+            <a:extLst>
+              <a:ext uri="{FF2B5EF4-FFF2-40B4-BE49-F238E27FC236}">
+                <a16:creationId xmlns:a16="http://schemas.microsoft.com/office/drawing/2014/main" id="{9A4F7BD4-4047-4F01-B0E1-7DDD4B5880A3}"/>
+              </a:ext>
+            </a:extLst>
+          </p:cNvPr>
+          <p:cNvCxnSpPr/>
+          <p:nvPr/>
+        </p:nvCxnSpPr>
+        <p:spPr>
+          <a:xfrm>
+            <a:off x="5016500" y="876300"/>
+            <a:ext cx="0" cy="5276850"/>
+          </a:xfrm>
+          <a:prstGeom prst="line">
+            <a:avLst/>
+          </a:prstGeom>
+          <a:ln>
+            <a:solidFill>
+              <a:schemeClr val="tx1"/>
+            </a:solidFill>
+            <a:prstDash val="lgDash"/>
+          </a:ln>
+        </p:spPr>
+        <p:style>
+          <a:lnRef idx="1">
+            <a:schemeClr val="accent1"/>
+          </a:lnRef>
+          <a:fillRef idx="0">
+            <a:schemeClr val="accent1"/>
+          </a:fillRef>
+          <a:effectRef idx="0">
+            <a:schemeClr val="accent1"/>
+          </a:effectRef>
+          <a:fontRef idx="minor">
+            <a:schemeClr val="tx1"/>
+          </a:fontRef>
+        </p:style>
+      </p:cxnSp>
+      <p:cxnSp>
+        <p:nvCxnSpPr>
+          <p:cNvPr id="38" name="直線接點 37">
+            <a:extLst>
+              <a:ext uri="{FF2B5EF4-FFF2-40B4-BE49-F238E27FC236}">
+                <a16:creationId xmlns:a16="http://schemas.microsoft.com/office/drawing/2014/main" id="{3CA76B71-013E-43DC-A72F-AE4244FCBE82}"/>
+              </a:ext>
+            </a:extLst>
+          </p:cNvPr>
+          <p:cNvCxnSpPr/>
+          <p:nvPr/>
+        </p:nvCxnSpPr>
+        <p:spPr>
+          <a:xfrm>
+            <a:off x="5397500" y="876300"/>
+            <a:ext cx="0" cy="5276850"/>
+          </a:xfrm>
+          <a:prstGeom prst="line">
+            <a:avLst/>
+          </a:prstGeom>
+          <a:ln>
+            <a:solidFill>
+              <a:schemeClr val="bg1">
+                <a:lumMod val="85000"/>
+              </a:schemeClr>
+            </a:solidFill>
+            <a:prstDash val="lgDash"/>
+          </a:ln>
+        </p:spPr>
+        <p:style>
+          <a:lnRef idx="1">
+            <a:schemeClr val="accent1"/>
+          </a:lnRef>
+          <a:fillRef idx="0">
+            <a:schemeClr val="accent1"/>
+          </a:fillRef>
+          <a:effectRef idx="0">
+            <a:schemeClr val="accent1"/>
+          </a:effectRef>
+          <a:fontRef idx="minor">
+            <a:schemeClr val="tx1"/>
+          </a:fontRef>
+        </p:style>
+      </p:cxnSp>
+      <p:cxnSp>
+        <p:nvCxnSpPr>
+          <p:cNvPr id="39" name="直線接點 38">
+            <a:extLst>
+              <a:ext uri="{FF2B5EF4-FFF2-40B4-BE49-F238E27FC236}">
+                <a16:creationId xmlns:a16="http://schemas.microsoft.com/office/drawing/2014/main" id="{923C748C-A5CA-4447-861D-20DBB994411A}"/>
+              </a:ext>
+            </a:extLst>
+          </p:cNvPr>
+          <p:cNvCxnSpPr/>
+          <p:nvPr/>
+        </p:nvCxnSpPr>
+        <p:spPr>
+          <a:xfrm>
+            <a:off x="5778500" y="876300"/>
+            <a:ext cx="0" cy="5276850"/>
+          </a:xfrm>
+          <a:prstGeom prst="line">
+            <a:avLst/>
+          </a:prstGeom>
+          <a:ln>
+            <a:solidFill>
+              <a:schemeClr val="bg1">
+                <a:lumMod val="85000"/>
+              </a:schemeClr>
+            </a:solidFill>
+            <a:prstDash val="lgDash"/>
+          </a:ln>
+        </p:spPr>
+        <p:style>
+          <a:lnRef idx="1">
+            <a:schemeClr val="accent1"/>
+          </a:lnRef>
+          <a:fillRef idx="0">
+            <a:schemeClr val="accent1"/>
+          </a:fillRef>
+          <a:effectRef idx="0">
+            <a:schemeClr val="accent1"/>
+          </a:effectRef>
+          <a:fontRef idx="minor">
+            <a:schemeClr val="tx1"/>
+          </a:fontRef>
+        </p:style>
+      </p:cxnSp>
+      <p:cxnSp>
+        <p:nvCxnSpPr>
+          <p:cNvPr id="40" name="直線接點 39">
+            <a:extLst>
+              <a:ext uri="{FF2B5EF4-FFF2-40B4-BE49-F238E27FC236}">
+                <a16:creationId xmlns:a16="http://schemas.microsoft.com/office/drawing/2014/main" id="{8A75385B-D746-4ECC-A1A5-3585E621657F}"/>
+              </a:ext>
+            </a:extLst>
+          </p:cNvPr>
+          <p:cNvCxnSpPr/>
+          <p:nvPr/>
+        </p:nvCxnSpPr>
+        <p:spPr>
+          <a:xfrm>
+            <a:off x="6184900" y="876300"/>
+            <a:ext cx="0" cy="5276850"/>
+          </a:xfrm>
+          <a:prstGeom prst="line">
+            <a:avLst/>
+          </a:prstGeom>
+          <a:ln>
+            <a:solidFill>
+              <a:schemeClr val="bg1">
+                <a:lumMod val="85000"/>
+              </a:schemeClr>
+            </a:solidFill>
+            <a:prstDash val="lgDash"/>
+          </a:ln>
+        </p:spPr>
+        <p:style>
+          <a:lnRef idx="1">
+            <a:schemeClr val="accent1"/>
+          </a:lnRef>
+          <a:fillRef idx="0">
+            <a:schemeClr val="accent1"/>
+          </a:fillRef>
+          <a:effectRef idx="0">
+            <a:schemeClr val="accent1"/>
+          </a:effectRef>
+          <a:fontRef idx="minor">
+            <a:schemeClr val="tx1"/>
+          </a:fontRef>
+        </p:style>
+      </p:cxnSp>
+      <p:cxnSp>
+        <p:nvCxnSpPr>
+          <p:cNvPr id="41" name="直線接點 40">
+            <a:extLst>
+              <a:ext uri="{FF2B5EF4-FFF2-40B4-BE49-F238E27FC236}">
+                <a16:creationId xmlns:a16="http://schemas.microsoft.com/office/drawing/2014/main" id="{36B8497A-B860-4EA1-BC8B-035829262972}"/>
+              </a:ext>
+            </a:extLst>
+          </p:cNvPr>
+          <p:cNvCxnSpPr/>
+          <p:nvPr/>
+        </p:nvCxnSpPr>
+        <p:spPr>
+          <a:xfrm>
+            <a:off x="6553200" y="876300"/>
+            <a:ext cx="0" cy="5276850"/>
+          </a:xfrm>
+          <a:prstGeom prst="line">
+            <a:avLst/>
+          </a:prstGeom>
+          <a:ln>
+            <a:solidFill>
+              <a:schemeClr val="bg1">
+                <a:lumMod val="85000"/>
+              </a:schemeClr>
+            </a:solidFill>
+            <a:prstDash val="lgDash"/>
+          </a:ln>
+        </p:spPr>
+        <p:style>
+          <a:lnRef idx="1">
+            <a:schemeClr val="accent1"/>
+          </a:lnRef>
+          <a:fillRef idx="0">
+            <a:schemeClr val="accent1"/>
+          </a:fillRef>
+          <a:effectRef idx="0">
+            <a:schemeClr val="accent1"/>
+          </a:effectRef>
+          <a:fontRef idx="minor">
+            <a:schemeClr val="tx1"/>
+          </a:fontRef>
+        </p:style>
+      </p:cxnSp>
+      <p:cxnSp>
+        <p:nvCxnSpPr>
+          <p:cNvPr id="42" name="直線接點 41">
+            <a:extLst>
+              <a:ext uri="{FF2B5EF4-FFF2-40B4-BE49-F238E27FC236}">
+                <a16:creationId xmlns:a16="http://schemas.microsoft.com/office/drawing/2014/main" id="{DF42E65F-7650-4F4F-8B71-A860CA763AF0}"/>
+              </a:ext>
+            </a:extLst>
+          </p:cNvPr>
+          <p:cNvCxnSpPr/>
+          <p:nvPr/>
+        </p:nvCxnSpPr>
+        <p:spPr>
+          <a:xfrm>
+            <a:off x="6921500" y="876300"/>
+            <a:ext cx="0" cy="5276850"/>
+          </a:xfrm>
+          <a:prstGeom prst="line">
+            <a:avLst/>
+          </a:prstGeom>
+          <a:ln>
+            <a:solidFill>
+              <a:schemeClr val="tx1"/>
+            </a:solidFill>
+            <a:prstDash val="lgDash"/>
+          </a:ln>
+        </p:spPr>
+        <p:style>
+          <a:lnRef idx="1">
+            <a:schemeClr val="accent1"/>
+          </a:lnRef>
+          <a:fillRef idx="0">
+            <a:schemeClr val="accent1"/>
+          </a:fillRef>
+          <a:effectRef idx="0">
+            <a:schemeClr val="accent1"/>
+          </a:effectRef>
+          <a:fontRef idx="minor">
+            <a:schemeClr val="tx1"/>
+          </a:fontRef>
+        </p:style>
+      </p:cxnSp>
+      <p:cxnSp>
+        <p:nvCxnSpPr>
+          <p:cNvPr id="43" name="直線接點 42">
+            <a:extLst>
+              <a:ext uri="{FF2B5EF4-FFF2-40B4-BE49-F238E27FC236}">
+                <a16:creationId xmlns:a16="http://schemas.microsoft.com/office/drawing/2014/main" id="{342308A6-A496-42A0-9001-63E80D8F6336}"/>
+              </a:ext>
+            </a:extLst>
+          </p:cNvPr>
+          <p:cNvCxnSpPr/>
+          <p:nvPr/>
+        </p:nvCxnSpPr>
+        <p:spPr>
+          <a:xfrm>
+            <a:off x="7302500" y="876300"/>
+            <a:ext cx="0" cy="5276850"/>
+          </a:xfrm>
+          <a:prstGeom prst="line">
+            <a:avLst/>
+          </a:prstGeom>
+          <a:ln>
+            <a:solidFill>
+              <a:schemeClr val="bg1">
+                <a:lumMod val="85000"/>
+              </a:schemeClr>
+            </a:solidFill>
+            <a:prstDash val="lgDash"/>
+          </a:ln>
+        </p:spPr>
+        <p:style>
+          <a:lnRef idx="1">
+            <a:schemeClr val="accent1"/>
+          </a:lnRef>
+          <a:fillRef idx="0">
+            <a:schemeClr val="accent1"/>
+          </a:fillRef>
+          <a:effectRef idx="0">
+            <a:schemeClr val="accent1"/>
+          </a:effectRef>
+          <a:fontRef idx="minor">
+            <a:schemeClr val="tx1"/>
+          </a:fontRef>
+        </p:style>
+      </p:cxnSp>
+      <p:cxnSp>
+        <p:nvCxnSpPr>
+          <p:cNvPr id="44" name="直線接點 43">
+            <a:extLst>
+              <a:ext uri="{FF2B5EF4-FFF2-40B4-BE49-F238E27FC236}">
+                <a16:creationId xmlns:a16="http://schemas.microsoft.com/office/drawing/2014/main" id="{A687D678-F7D6-40B0-99F3-9347907D730A}"/>
+              </a:ext>
+            </a:extLst>
+          </p:cNvPr>
+          <p:cNvCxnSpPr/>
+          <p:nvPr/>
+        </p:nvCxnSpPr>
+        <p:spPr>
+          <a:xfrm>
+            <a:off x="7683500" y="876300"/>
+            <a:ext cx="0" cy="5276850"/>
+          </a:xfrm>
+          <a:prstGeom prst="line">
+            <a:avLst/>
+          </a:prstGeom>
+          <a:ln>
+            <a:solidFill>
+              <a:schemeClr val="bg1">
+                <a:lumMod val="85000"/>
+              </a:schemeClr>
+            </a:solidFill>
+            <a:prstDash val="lgDash"/>
+          </a:ln>
+        </p:spPr>
+        <p:style>
+          <a:lnRef idx="1">
+            <a:schemeClr val="accent1"/>
+          </a:lnRef>
+          <a:fillRef idx="0">
+            <a:schemeClr val="accent1"/>
+          </a:fillRef>
+          <a:effectRef idx="0">
+            <a:schemeClr val="accent1"/>
+          </a:effectRef>
+          <a:fontRef idx="minor">
+            <a:schemeClr val="tx1"/>
+          </a:fontRef>
+        </p:style>
+      </p:cxnSp>
+      <p:cxnSp>
+        <p:nvCxnSpPr>
+          <p:cNvPr id="45" name="直線接點 44">
+            <a:extLst>
+              <a:ext uri="{FF2B5EF4-FFF2-40B4-BE49-F238E27FC236}">
+                <a16:creationId xmlns:a16="http://schemas.microsoft.com/office/drawing/2014/main" id="{64395474-827F-4A31-8362-565E78DBB342}"/>
+              </a:ext>
+            </a:extLst>
+          </p:cNvPr>
+          <p:cNvCxnSpPr/>
+          <p:nvPr/>
+        </p:nvCxnSpPr>
+        <p:spPr>
+          <a:xfrm>
+            <a:off x="8089900" y="876300"/>
+            <a:ext cx="0" cy="5276850"/>
+          </a:xfrm>
+          <a:prstGeom prst="line">
+            <a:avLst/>
+          </a:prstGeom>
+          <a:ln>
+            <a:solidFill>
+              <a:schemeClr val="bg1">
+                <a:lumMod val="85000"/>
+              </a:schemeClr>
+            </a:solidFill>
+            <a:prstDash val="lgDash"/>
+          </a:ln>
+        </p:spPr>
+        <p:style>
+          <a:lnRef idx="1">
+            <a:schemeClr val="accent1"/>
+          </a:lnRef>
+          <a:fillRef idx="0">
+            <a:schemeClr val="accent1"/>
+          </a:fillRef>
+          <a:effectRef idx="0">
+            <a:schemeClr val="accent1"/>
+          </a:effectRef>
+          <a:fontRef idx="minor">
+            <a:schemeClr val="tx1"/>
+          </a:fontRef>
+        </p:style>
+      </p:cxnSp>
+      <p:sp>
+        <p:nvSpPr>
+          <p:cNvPr id="48" name="文字方塊 47">
+            <a:extLst>
+              <a:ext uri="{FF2B5EF4-FFF2-40B4-BE49-F238E27FC236}">
+                <a16:creationId xmlns:a16="http://schemas.microsoft.com/office/drawing/2014/main" id="{B0914EE9-C086-406A-9C4C-962561D822C7}"/>
+              </a:ext>
+            </a:extLst>
+          </p:cNvPr>
+          <p:cNvSpPr txBox="1"/>
+          <p:nvPr/>
+        </p:nvSpPr>
+        <p:spPr>
+          <a:xfrm>
+            <a:off x="971550" y="590550"/>
+            <a:ext cx="6276077" cy="369332"/>
+          </a:xfrm>
+          <a:prstGeom prst="rect">
+            <a:avLst/>
+          </a:prstGeom>
+          <a:noFill/>
+        </p:spPr>
+        <p:txBody>
+          <a:bodyPr wrap="none" rtlCol="0">
+            <a:spAutoFit/>
+          </a:bodyPr>
+          <a:lstStyle/>
+          <a:p>
+            <a:r>
+              <a:rPr lang="en-US" dirty="0"/>
+              <a:t>-5		   0		     5 		     10</a:t>
+            </a:r>
+          </a:p>
+        </p:txBody>
+      </p:sp>
+      <p:sp>
+        <p:nvSpPr>
+          <p:cNvPr id="49" name="矩形 48">
+            <a:extLst>
+              <a:ext uri="{FF2B5EF4-FFF2-40B4-BE49-F238E27FC236}">
+                <a16:creationId xmlns:a16="http://schemas.microsoft.com/office/drawing/2014/main" id="{B59C97FA-1E40-4102-8858-94C7CFB7212D}"/>
+              </a:ext>
+            </a:extLst>
+          </p:cNvPr>
+          <p:cNvSpPr/>
+          <p:nvPr/>
+        </p:nvSpPr>
+        <p:spPr>
+          <a:xfrm>
+            <a:off x="3486150" y="1098550"/>
+            <a:ext cx="3435349" cy="311150"/>
+          </a:xfrm>
+          <a:prstGeom prst="rect">
+            <a:avLst/>
+          </a:prstGeom>
+        </p:spPr>
+        <p:style>
+          <a:lnRef idx="2">
+            <a:schemeClr val="accent1">
+              <a:shade val="50000"/>
+            </a:schemeClr>
+          </a:lnRef>
+          <a:fillRef idx="1">
+            <a:schemeClr val="accent1"/>
+          </a:fillRef>
+          <a:effectRef idx="0">
+            <a:schemeClr val="accent1"/>
+          </a:effectRef>
+          <a:fontRef idx="minor">
+            <a:schemeClr val="lt1"/>
+          </a:fontRef>
+        </p:style>
+        <p:txBody>
+          <a:bodyPr rtlCol="0" anchor="ctr"/>
+          <a:lstStyle/>
+          <a:p>
+            <a:pPr algn="ctr"/>
+            <a:r>
+              <a:rPr lang="en-US" dirty="0"/>
+              <a:t>A</a:t>
+            </a:r>
+          </a:p>
+        </p:txBody>
+      </p:sp>
+      <p:sp>
+        <p:nvSpPr>
+          <p:cNvPr id="50" name="矩形 49">
+            <a:extLst>
+              <a:ext uri="{FF2B5EF4-FFF2-40B4-BE49-F238E27FC236}">
+                <a16:creationId xmlns:a16="http://schemas.microsoft.com/office/drawing/2014/main" id="{60169BD7-E0E5-496B-9EAE-0C4DBF2553BF}"/>
+              </a:ext>
+            </a:extLst>
+          </p:cNvPr>
+          <p:cNvSpPr/>
+          <p:nvPr/>
+        </p:nvSpPr>
+        <p:spPr>
+          <a:xfrm>
+            <a:off x="3867150" y="1435101"/>
+            <a:ext cx="412751" cy="311150"/>
+          </a:xfrm>
+          <a:prstGeom prst="rect">
+            <a:avLst/>
+          </a:prstGeom>
+        </p:spPr>
+        <p:style>
+          <a:lnRef idx="2">
+            <a:schemeClr val="accent1">
+              <a:shade val="50000"/>
+            </a:schemeClr>
+          </a:lnRef>
+          <a:fillRef idx="1">
+            <a:schemeClr val="accent1"/>
+          </a:fillRef>
+          <a:effectRef idx="0">
+            <a:schemeClr val="accent1"/>
+          </a:effectRef>
+          <a:fontRef idx="minor">
+            <a:schemeClr val="lt1"/>
+          </a:fontRef>
+        </p:style>
+        <p:txBody>
+          <a:bodyPr rtlCol="0" anchor="ctr"/>
+          <a:lstStyle/>
+          <a:p>
+            <a:pPr algn="ctr"/>
+            <a:r>
+              <a:rPr lang="en-US" dirty="0"/>
+              <a:t>B</a:t>
+            </a:r>
+          </a:p>
+        </p:txBody>
+      </p:sp>
+      <p:sp>
+        <p:nvSpPr>
+          <p:cNvPr id="51" name="矩形 50">
+            <a:extLst>
+              <a:ext uri="{FF2B5EF4-FFF2-40B4-BE49-F238E27FC236}">
+                <a16:creationId xmlns:a16="http://schemas.microsoft.com/office/drawing/2014/main" id="{86043D21-C596-4D57-BAF8-87E4AAC16F1B}"/>
+              </a:ext>
+            </a:extLst>
+          </p:cNvPr>
+          <p:cNvSpPr/>
+          <p:nvPr/>
+        </p:nvSpPr>
+        <p:spPr>
+          <a:xfrm>
+            <a:off x="841377" y="1435101"/>
+            <a:ext cx="1898649" cy="311150"/>
+          </a:xfrm>
+          <a:prstGeom prst="rect">
+            <a:avLst/>
+          </a:prstGeom>
+        </p:spPr>
+        <p:style>
+          <a:lnRef idx="1">
+            <a:schemeClr val="accent6"/>
+          </a:lnRef>
+          <a:fillRef idx="2">
+            <a:schemeClr val="accent6"/>
+          </a:fillRef>
+          <a:effectRef idx="1">
+            <a:schemeClr val="accent6"/>
+          </a:effectRef>
+          <a:fontRef idx="minor">
+            <a:schemeClr val="dk1"/>
+          </a:fontRef>
+        </p:style>
+        <p:txBody>
+          <a:bodyPr rtlCol="0" anchor="ctr"/>
+          <a:lstStyle/>
+          <a:p>
+            <a:pPr algn="ctr"/>
+            <a:r>
+              <a:rPr lang="en-US" dirty="0"/>
+              <a:t>C</a:t>
+            </a:r>
+          </a:p>
+        </p:txBody>
+      </p:sp>
+      <p:sp>
+        <p:nvSpPr>
+          <p:cNvPr id="52" name="矩形 51">
+            <a:extLst>
+              <a:ext uri="{FF2B5EF4-FFF2-40B4-BE49-F238E27FC236}">
+                <a16:creationId xmlns:a16="http://schemas.microsoft.com/office/drawing/2014/main" id="{E1973BFF-C370-4E25-BC66-540B284C05E0}"/>
+              </a:ext>
+            </a:extLst>
+          </p:cNvPr>
+          <p:cNvSpPr/>
+          <p:nvPr/>
+        </p:nvSpPr>
+        <p:spPr>
+          <a:xfrm>
+            <a:off x="1216028" y="1771652"/>
+            <a:ext cx="374650" cy="311150"/>
+          </a:xfrm>
+          <a:prstGeom prst="rect">
+            <a:avLst/>
+          </a:prstGeom>
+        </p:spPr>
+        <p:style>
+          <a:lnRef idx="1">
+            <a:schemeClr val="accent6"/>
+          </a:lnRef>
+          <a:fillRef idx="2">
+            <a:schemeClr val="accent6"/>
+          </a:fillRef>
+          <a:effectRef idx="1">
+            <a:schemeClr val="accent6"/>
+          </a:effectRef>
+          <a:fontRef idx="minor">
+            <a:schemeClr val="dk1"/>
+          </a:fontRef>
+        </p:style>
+        <p:txBody>
+          <a:bodyPr rtlCol="0" anchor="ctr"/>
+          <a:lstStyle/>
+          <a:p>
+            <a:pPr algn="ctr"/>
+            <a:r>
+              <a:rPr lang="en-US" dirty="0"/>
+              <a:t>D</a:t>
+            </a:r>
+          </a:p>
+        </p:txBody>
+      </p:sp>
+      <p:sp>
+        <p:nvSpPr>
+          <p:cNvPr id="53" name="矩形 52">
+            <a:extLst>
+              <a:ext uri="{FF2B5EF4-FFF2-40B4-BE49-F238E27FC236}">
+                <a16:creationId xmlns:a16="http://schemas.microsoft.com/office/drawing/2014/main" id="{5296FC3B-0FCB-4509-AE0A-AE509AEB55E0}"/>
+              </a:ext>
+            </a:extLst>
+          </p:cNvPr>
+          <p:cNvSpPr/>
+          <p:nvPr/>
+        </p:nvSpPr>
+        <p:spPr>
+          <a:xfrm>
+            <a:off x="1965328" y="1771652"/>
+            <a:ext cx="374650" cy="311150"/>
+          </a:xfrm>
+          <a:prstGeom prst="rect">
+            <a:avLst/>
+          </a:prstGeom>
+        </p:spPr>
+        <p:style>
+          <a:lnRef idx="1">
+            <a:schemeClr val="accent6"/>
+          </a:lnRef>
+          <a:fillRef idx="2">
+            <a:schemeClr val="accent6"/>
+          </a:fillRef>
+          <a:effectRef idx="1">
+            <a:schemeClr val="accent6"/>
+          </a:effectRef>
+          <a:fontRef idx="minor">
+            <a:schemeClr val="dk1"/>
+          </a:fontRef>
+        </p:style>
+        <p:txBody>
+          <a:bodyPr rtlCol="0" anchor="ctr"/>
+          <a:lstStyle/>
+          <a:p>
+            <a:pPr algn="ctr"/>
+            <a:r>
+              <a:rPr lang="en-US" dirty="0"/>
+              <a:t>E</a:t>
+            </a:r>
+          </a:p>
+        </p:txBody>
+      </p:sp>
+    </p:spTree>
+    <p:extLst>
+      <p:ext uri="{BB962C8B-B14F-4D97-AF65-F5344CB8AC3E}">
+        <p14:creationId xmlns:p14="http://schemas.microsoft.com/office/powerpoint/2010/main" val="3910545126"/>
+      </p:ext>
+    </p:extLst>
+  </p:cSld>
+  <p:clrMapOvr>
+    <a:masterClrMapping/>
+  </p:clrMapOvr>
+</p:sld>
+</file>
+
+<file path=ppt/slides/slide5.xml><?xml version="1.0" encoding="utf-8"?>
+<p:sld xmlns:a="http://schemas.openxmlformats.org/drawingml/2006/main" xmlns:r="http://schemas.openxmlformats.org/officeDocument/2006/relationships" xmlns:p="http://schemas.openxmlformats.org/presentationml/2006/main">
+  <p:cSld>
+    <p:spTree>
+      <p:nvGrpSpPr>
+        <p:cNvPr id="1" name=""/>
+        <p:cNvGrpSpPr/>
+        <p:nvPr/>
+      </p:nvGrpSpPr>
+      <p:grpSpPr>
+        <a:xfrm>
+          <a:off x="0" y="0"/>
+          <a:ext cx="0" cy="0"/>
+          <a:chOff x="0" y="0"/>
+          <a:chExt cx="0" cy="0"/>
+        </a:xfrm>
+      </p:grpSpPr>
+      <p:cxnSp>
+        <p:nvCxnSpPr>
+          <p:cNvPr id="5" name="直線接點 4">
+            <a:extLst>
+              <a:ext uri="{FF2B5EF4-FFF2-40B4-BE49-F238E27FC236}">
+                <a16:creationId xmlns:a16="http://schemas.microsoft.com/office/drawing/2014/main" id="{6772F55E-4DEE-4021-B167-40FF2BA347A6}"/>
+              </a:ext>
+            </a:extLst>
+          </p:cNvPr>
+          <p:cNvCxnSpPr>
+            <a:cxnSpLocks/>
+          </p:cNvCxnSpPr>
+          <p:nvPr/>
+        </p:nvCxnSpPr>
+        <p:spPr>
+          <a:xfrm>
+            <a:off x="482600" y="952500"/>
+            <a:ext cx="8020050" cy="0"/>
+          </a:xfrm>
+          <a:prstGeom prst="line">
+            <a:avLst/>
+          </a:prstGeom>
+          <a:ln>
+            <a:headEnd type="none" w="med" len="med"/>
+            <a:tailEnd type="triangle" w="med" len="med"/>
+          </a:ln>
+        </p:spPr>
+        <p:style>
+          <a:lnRef idx="1">
+            <a:schemeClr val="accent1"/>
+          </a:lnRef>
+          <a:fillRef idx="0">
+            <a:schemeClr val="accent1"/>
+          </a:fillRef>
+          <a:effectRef idx="0">
+            <a:schemeClr val="accent1"/>
+          </a:effectRef>
+          <a:fontRef idx="minor">
+            <a:schemeClr val="tx1"/>
+          </a:fontRef>
+        </p:style>
+      </p:cxnSp>
+      <p:cxnSp>
+        <p:nvCxnSpPr>
+          <p:cNvPr id="26" name="直線接點 25">
+            <a:extLst>
+              <a:ext uri="{FF2B5EF4-FFF2-40B4-BE49-F238E27FC236}">
+                <a16:creationId xmlns:a16="http://schemas.microsoft.com/office/drawing/2014/main" id="{C96082B3-EB6C-4D5E-B9B0-C8E306FC04E4}"/>
+              </a:ext>
+            </a:extLst>
+          </p:cNvPr>
+          <p:cNvCxnSpPr/>
+          <p:nvPr/>
+        </p:nvCxnSpPr>
+        <p:spPr>
+          <a:xfrm>
+            <a:off x="806450" y="876300"/>
+            <a:ext cx="0" cy="5276850"/>
+          </a:xfrm>
+          <a:prstGeom prst="line">
+            <a:avLst/>
+          </a:prstGeom>
+          <a:ln>
+            <a:solidFill>
+              <a:schemeClr val="bg1">
+                <a:lumMod val="85000"/>
+              </a:schemeClr>
+            </a:solidFill>
+            <a:prstDash val="lgDash"/>
+          </a:ln>
+        </p:spPr>
+        <p:style>
+          <a:lnRef idx="1">
+            <a:schemeClr val="accent1"/>
+          </a:lnRef>
+          <a:fillRef idx="0">
+            <a:schemeClr val="accent1"/>
+          </a:fillRef>
+          <a:effectRef idx="0">
+            <a:schemeClr val="accent1"/>
+          </a:effectRef>
+          <a:fontRef idx="minor">
+            <a:schemeClr val="tx1"/>
+          </a:fontRef>
+        </p:style>
+      </p:cxnSp>
+      <p:cxnSp>
+        <p:nvCxnSpPr>
+          <p:cNvPr id="27" name="直線接點 26">
+            <a:extLst>
+              <a:ext uri="{FF2B5EF4-FFF2-40B4-BE49-F238E27FC236}">
+                <a16:creationId xmlns:a16="http://schemas.microsoft.com/office/drawing/2014/main" id="{E171B812-51C3-486A-ADA3-972B8FE4CFBA}"/>
+              </a:ext>
+            </a:extLst>
+          </p:cNvPr>
+          <p:cNvCxnSpPr/>
+          <p:nvPr/>
+        </p:nvCxnSpPr>
+        <p:spPr>
+          <a:xfrm>
+            <a:off x="1174750" y="876300"/>
+            <a:ext cx="0" cy="5276850"/>
+          </a:xfrm>
+          <a:prstGeom prst="line">
+            <a:avLst/>
+          </a:prstGeom>
+          <a:ln>
+            <a:solidFill>
+              <a:schemeClr val="tx1"/>
+            </a:solidFill>
+            <a:prstDash val="lgDash"/>
+          </a:ln>
+        </p:spPr>
+        <p:style>
+          <a:lnRef idx="1">
+            <a:schemeClr val="accent1"/>
+          </a:lnRef>
+          <a:fillRef idx="0">
+            <a:schemeClr val="accent1"/>
+          </a:fillRef>
+          <a:effectRef idx="0">
+            <a:schemeClr val="accent1"/>
+          </a:effectRef>
+          <a:fontRef idx="minor">
+            <a:schemeClr val="tx1"/>
+          </a:fontRef>
+        </p:style>
+      </p:cxnSp>
+      <p:cxnSp>
+        <p:nvCxnSpPr>
+          <p:cNvPr id="28" name="直線接點 27">
+            <a:extLst>
+              <a:ext uri="{FF2B5EF4-FFF2-40B4-BE49-F238E27FC236}">
+                <a16:creationId xmlns:a16="http://schemas.microsoft.com/office/drawing/2014/main" id="{23A757FF-AE24-4C4B-8685-FEEE0CB17786}"/>
+              </a:ext>
+            </a:extLst>
+          </p:cNvPr>
+          <p:cNvCxnSpPr/>
+          <p:nvPr/>
+        </p:nvCxnSpPr>
+        <p:spPr>
+          <a:xfrm>
+            <a:off x="1555750" y="876300"/>
+            <a:ext cx="0" cy="5276850"/>
+          </a:xfrm>
+          <a:prstGeom prst="line">
+            <a:avLst/>
+          </a:prstGeom>
+          <a:ln>
+            <a:solidFill>
+              <a:schemeClr val="bg1">
+                <a:lumMod val="85000"/>
+              </a:schemeClr>
+            </a:solidFill>
+            <a:prstDash val="lgDash"/>
+          </a:ln>
+        </p:spPr>
+        <p:style>
+          <a:lnRef idx="1">
+            <a:schemeClr val="accent1"/>
+          </a:lnRef>
+          <a:fillRef idx="0">
+            <a:schemeClr val="accent1"/>
+          </a:fillRef>
+          <a:effectRef idx="0">
+            <a:schemeClr val="accent1"/>
+          </a:effectRef>
+          <a:fontRef idx="minor">
+            <a:schemeClr val="tx1"/>
+          </a:fontRef>
+        </p:style>
+      </p:cxnSp>
+      <p:cxnSp>
+        <p:nvCxnSpPr>
+          <p:cNvPr id="29" name="直線接點 28">
+            <a:extLst>
+              <a:ext uri="{FF2B5EF4-FFF2-40B4-BE49-F238E27FC236}">
+                <a16:creationId xmlns:a16="http://schemas.microsoft.com/office/drawing/2014/main" id="{A0A23865-50B8-45C2-A1D1-687880D5682F}"/>
+              </a:ext>
+            </a:extLst>
+          </p:cNvPr>
+          <p:cNvCxnSpPr/>
+          <p:nvPr/>
+        </p:nvCxnSpPr>
+        <p:spPr>
+          <a:xfrm>
+            <a:off x="1936750" y="876300"/>
+            <a:ext cx="0" cy="5276850"/>
+          </a:xfrm>
+          <a:prstGeom prst="line">
+            <a:avLst/>
+          </a:prstGeom>
+          <a:ln>
+            <a:solidFill>
+              <a:schemeClr val="bg1">
+                <a:lumMod val="85000"/>
+              </a:schemeClr>
+            </a:solidFill>
+            <a:prstDash val="lgDash"/>
+          </a:ln>
+        </p:spPr>
+        <p:style>
+          <a:lnRef idx="1">
+            <a:schemeClr val="accent1"/>
+          </a:lnRef>
+          <a:fillRef idx="0">
+            <a:schemeClr val="accent1"/>
+          </a:fillRef>
+          <a:effectRef idx="0">
+            <a:schemeClr val="accent1"/>
+          </a:effectRef>
+          <a:fontRef idx="minor">
+            <a:schemeClr val="tx1"/>
+          </a:fontRef>
+        </p:style>
+      </p:cxnSp>
+      <p:cxnSp>
+        <p:nvCxnSpPr>
+          <p:cNvPr id="30" name="直線接點 29">
+            <a:extLst>
+              <a:ext uri="{FF2B5EF4-FFF2-40B4-BE49-F238E27FC236}">
+                <a16:creationId xmlns:a16="http://schemas.microsoft.com/office/drawing/2014/main" id="{8C4DCB02-1FB9-4AAD-AA3D-F5D73F497758}"/>
+              </a:ext>
+            </a:extLst>
+          </p:cNvPr>
+          <p:cNvCxnSpPr/>
+          <p:nvPr/>
+        </p:nvCxnSpPr>
+        <p:spPr>
+          <a:xfrm>
+            <a:off x="2343150" y="876300"/>
+            <a:ext cx="0" cy="5276850"/>
+          </a:xfrm>
+          <a:prstGeom prst="line">
+            <a:avLst/>
+          </a:prstGeom>
+          <a:ln>
+            <a:solidFill>
+              <a:schemeClr val="bg1">
+                <a:lumMod val="85000"/>
+              </a:schemeClr>
+            </a:solidFill>
+            <a:prstDash val="lgDash"/>
+          </a:ln>
+        </p:spPr>
+        <p:style>
+          <a:lnRef idx="1">
+            <a:schemeClr val="accent1"/>
+          </a:lnRef>
+          <a:fillRef idx="0">
+            <a:schemeClr val="accent1"/>
+          </a:fillRef>
+          <a:effectRef idx="0">
+            <a:schemeClr val="accent1"/>
+          </a:effectRef>
+          <a:fontRef idx="minor">
+            <a:schemeClr val="tx1"/>
+          </a:fontRef>
+        </p:style>
+      </p:cxnSp>
+      <p:cxnSp>
+        <p:nvCxnSpPr>
+          <p:cNvPr id="31" name="直線接點 30">
+            <a:extLst>
+              <a:ext uri="{FF2B5EF4-FFF2-40B4-BE49-F238E27FC236}">
+                <a16:creationId xmlns:a16="http://schemas.microsoft.com/office/drawing/2014/main" id="{4995F1B0-86EA-49A3-9B2C-142B3F0D649C}"/>
+              </a:ext>
+            </a:extLst>
+          </p:cNvPr>
+          <p:cNvCxnSpPr/>
+          <p:nvPr/>
+        </p:nvCxnSpPr>
+        <p:spPr>
+          <a:xfrm>
+            <a:off x="2736850" y="876300"/>
+            <a:ext cx="0" cy="5276850"/>
+          </a:xfrm>
+          <a:prstGeom prst="line">
+            <a:avLst/>
+          </a:prstGeom>
+          <a:ln>
+            <a:solidFill>
+              <a:schemeClr val="bg1">
+                <a:lumMod val="85000"/>
+              </a:schemeClr>
+            </a:solidFill>
+            <a:prstDash val="lgDash"/>
+          </a:ln>
+        </p:spPr>
+        <p:style>
+          <a:lnRef idx="1">
+            <a:schemeClr val="accent1"/>
+          </a:lnRef>
+          <a:fillRef idx="0">
+            <a:schemeClr val="accent1"/>
+          </a:fillRef>
+          <a:effectRef idx="0">
+            <a:schemeClr val="accent1"/>
+          </a:effectRef>
+          <a:fontRef idx="minor">
+            <a:schemeClr val="tx1"/>
+          </a:fontRef>
+        </p:style>
+      </p:cxnSp>
+      <p:cxnSp>
+        <p:nvCxnSpPr>
+          <p:cNvPr id="32" name="直線接點 31">
+            <a:extLst>
+              <a:ext uri="{FF2B5EF4-FFF2-40B4-BE49-F238E27FC236}">
+                <a16:creationId xmlns:a16="http://schemas.microsoft.com/office/drawing/2014/main" id="{4A4B5479-79A9-4E73-AE60-48BB9AE00F7E}"/>
+              </a:ext>
+            </a:extLst>
+          </p:cNvPr>
+          <p:cNvCxnSpPr/>
+          <p:nvPr/>
+        </p:nvCxnSpPr>
+        <p:spPr>
+          <a:xfrm>
+            <a:off x="3105150" y="876300"/>
+            <a:ext cx="0" cy="5276850"/>
+          </a:xfrm>
+          <a:prstGeom prst="line">
+            <a:avLst/>
+          </a:prstGeom>
+          <a:ln>
+            <a:solidFill>
+              <a:schemeClr val="tx1"/>
+            </a:solidFill>
+            <a:prstDash val="lgDash"/>
+          </a:ln>
+        </p:spPr>
+        <p:style>
+          <a:lnRef idx="1">
+            <a:schemeClr val="accent1"/>
+          </a:lnRef>
+          <a:fillRef idx="0">
+            <a:schemeClr val="accent1"/>
+          </a:fillRef>
+          <a:effectRef idx="0">
+            <a:schemeClr val="accent1"/>
+          </a:effectRef>
+          <a:fontRef idx="minor">
+            <a:schemeClr val="tx1"/>
+          </a:fontRef>
+        </p:style>
+      </p:cxnSp>
+      <p:cxnSp>
+        <p:nvCxnSpPr>
+          <p:cNvPr id="33" name="直線接點 32">
+            <a:extLst>
+              <a:ext uri="{FF2B5EF4-FFF2-40B4-BE49-F238E27FC236}">
+                <a16:creationId xmlns:a16="http://schemas.microsoft.com/office/drawing/2014/main" id="{329C0498-F5B6-4545-9AE4-E47D1A1A50BE}"/>
+              </a:ext>
+            </a:extLst>
+          </p:cNvPr>
+          <p:cNvCxnSpPr/>
+          <p:nvPr/>
+        </p:nvCxnSpPr>
+        <p:spPr>
+          <a:xfrm>
+            <a:off x="3486150" y="876300"/>
+            <a:ext cx="0" cy="5276850"/>
+          </a:xfrm>
+          <a:prstGeom prst="line">
+            <a:avLst/>
+          </a:prstGeom>
+          <a:ln>
+            <a:solidFill>
+              <a:schemeClr val="bg1">
+                <a:lumMod val="85000"/>
+              </a:schemeClr>
+            </a:solidFill>
+            <a:prstDash val="lgDash"/>
+          </a:ln>
+        </p:spPr>
+        <p:style>
+          <a:lnRef idx="1">
+            <a:schemeClr val="accent1"/>
+          </a:lnRef>
+          <a:fillRef idx="0">
+            <a:schemeClr val="accent1"/>
+          </a:fillRef>
+          <a:effectRef idx="0">
+            <a:schemeClr val="accent1"/>
+          </a:effectRef>
+          <a:fontRef idx="minor">
+            <a:schemeClr val="tx1"/>
+          </a:fontRef>
+        </p:style>
+      </p:cxnSp>
+      <p:cxnSp>
+        <p:nvCxnSpPr>
+          <p:cNvPr id="34" name="直線接點 33">
+            <a:extLst>
+              <a:ext uri="{FF2B5EF4-FFF2-40B4-BE49-F238E27FC236}">
+                <a16:creationId xmlns:a16="http://schemas.microsoft.com/office/drawing/2014/main" id="{4F563DAB-96FD-4BE2-A586-B07ED9DE4A9E}"/>
+              </a:ext>
+            </a:extLst>
+          </p:cNvPr>
+          <p:cNvCxnSpPr/>
+          <p:nvPr/>
+        </p:nvCxnSpPr>
+        <p:spPr>
+          <a:xfrm>
+            <a:off x="3867150" y="876300"/>
+            <a:ext cx="0" cy="5276850"/>
+          </a:xfrm>
+          <a:prstGeom prst="line">
+            <a:avLst/>
+          </a:prstGeom>
+          <a:ln>
+            <a:solidFill>
+              <a:schemeClr val="bg1">
+                <a:lumMod val="85000"/>
+              </a:schemeClr>
+            </a:solidFill>
+            <a:prstDash val="lgDash"/>
+          </a:ln>
+        </p:spPr>
+        <p:style>
+          <a:lnRef idx="1">
+            <a:schemeClr val="accent1"/>
+          </a:lnRef>
+          <a:fillRef idx="0">
+            <a:schemeClr val="accent1"/>
+          </a:fillRef>
+          <a:effectRef idx="0">
+            <a:schemeClr val="accent1"/>
+          </a:effectRef>
+          <a:fontRef idx="minor">
+            <a:schemeClr val="tx1"/>
+          </a:fontRef>
+        </p:style>
+      </p:cxnSp>
+      <p:cxnSp>
+        <p:nvCxnSpPr>
+          <p:cNvPr id="35" name="直線接點 34">
+            <a:extLst>
+              <a:ext uri="{FF2B5EF4-FFF2-40B4-BE49-F238E27FC236}">
+                <a16:creationId xmlns:a16="http://schemas.microsoft.com/office/drawing/2014/main" id="{16DB6E01-7415-4241-BED5-DAFCAEC4BD32}"/>
+              </a:ext>
+            </a:extLst>
+          </p:cNvPr>
+          <p:cNvCxnSpPr/>
+          <p:nvPr/>
+        </p:nvCxnSpPr>
+        <p:spPr>
+          <a:xfrm>
+            <a:off x="4273550" y="876300"/>
+            <a:ext cx="0" cy="5276850"/>
+          </a:xfrm>
+          <a:prstGeom prst="line">
+            <a:avLst/>
+          </a:prstGeom>
+          <a:ln>
+            <a:solidFill>
+              <a:schemeClr val="bg1">
+                <a:lumMod val="85000"/>
+              </a:schemeClr>
+            </a:solidFill>
+            <a:prstDash val="lgDash"/>
+          </a:ln>
+        </p:spPr>
+        <p:style>
+          <a:lnRef idx="1">
+            <a:schemeClr val="accent1"/>
+          </a:lnRef>
+          <a:fillRef idx="0">
+            <a:schemeClr val="accent1"/>
+          </a:fillRef>
+          <a:effectRef idx="0">
+            <a:schemeClr val="accent1"/>
+          </a:effectRef>
+          <a:fontRef idx="minor">
+            <a:schemeClr val="tx1"/>
+          </a:fontRef>
+        </p:style>
+      </p:cxnSp>
+      <p:cxnSp>
+        <p:nvCxnSpPr>
+          <p:cNvPr id="36" name="直線接點 35">
+            <a:extLst>
+              <a:ext uri="{FF2B5EF4-FFF2-40B4-BE49-F238E27FC236}">
+                <a16:creationId xmlns:a16="http://schemas.microsoft.com/office/drawing/2014/main" id="{0F7024B1-6B5D-47BC-A180-46BF5A1D726A}"/>
+              </a:ext>
+            </a:extLst>
+          </p:cNvPr>
+          <p:cNvCxnSpPr/>
+          <p:nvPr/>
+        </p:nvCxnSpPr>
+        <p:spPr>
+          <a:xfrm>
+            <a:off x="4648200" y="876300"/>
+            <a:ext cx="0" cy="5276850"/>
+          </a:xfrm>
+          <a:prstGeom prst="line">
+            <a:avLst/>
+          </a:prstGeom>
+          <a:ln>
+            <a:solidFill>
+              <a:schemeClr val="bg1">
+                <a:lumMod val="85000"/>
+              </a:schemeClr>
+            </a:solidFill>
+            <a:prstDash val="lgDash"/>
+          </a:ln>
+        </p:spPr>
+        <p:style>
+          <a:lnRef idx="1">
+            <a:schemeClr val="accent1"/>
+          </a:lnRef>
+          <a:fillRef idx="0">
+            <a:schemeClr val="accent1"/>
+          </a:fillRef>
+          <a:effectRef idx="0">
+            <a:schemeClr val="accent1"/>
+          </a:effectRef>
+          <a:fontRef idx="minor">
+            <a:schemeClr val="tx1"/>
+          </a:fontRef>
+        </p:style>
+      </p:cxnSp>
+      <p:cxnSp>
+        <p:nvCxnSpPr>
+          <p:cNvPr id="37" name="直線接點 36">
+            <a:extLst>
+              <a:ext uri="{FF2B5EF4-FFF2-40B4-BE49-F238E27FC236}">
+                <a16:creationId xmlns:a16="http://schemas.microsoft.com/office/drawing/2014/main" id="{9A4F7BD4-4047-4F01-B0E1-7DDD4B5880A3}"/>
+              </a:ext>
+            </a:extLst>
+          </p:cNvPr>
+          <p:cNvCxnSpPr/>
+          <p:nvPr/>
+        </p:nvCxnSpPr>
+        <p:spPr>
+          <a:xfrm>
+            <a:off x="5016500" y="876300"/>
+            <a:ext cx="0" cy="5276850"/>
+          </a:xfrm>
+          <a:prstGeom prst="line">
+            <a:avLst/>
+          </a:prstGeom>
+          <a:ln>
+            <a:solidFill>
+              <a:schemeClr val="tx1"/>
+            </a:solidFill>
+            <a:prstDash val="lgDash"/>
+          </a:ln>
+        </p:spPr>
+        <p:style>
+          <a:lnRef idx="1">
+            <a:schemeClr val="accent1"/>
+          </a:lnRef>
+          <a:fillRef idx="0">
+            <a:schemeClr val="accent1"/>
+          </a:fillRef>
+          <a:effectRef idx="0">
+            <a:schemeClr val="accent1"/>
+          </a:effectRef>
+          <a:fontRef idx="minor">
+            <a:schemeClr val="tx1"/>
+          </a:fontRef>
+        </p:style>
+      </p:cxnSp>
+      <p:cxnSp>
+        <p:nvCxnSpPr>
+          <p:cNvPr id="38" name="直線接點 37">
+            <a:extLst>
+              <a:ext uri="{FF2B5EF4-FFF2-40B4-BE49-F238E27FC236}">
+                <a16:creationId xmlns:a16="http://schemas.microsoft.com/office/drawing/2014/main" id="{3CA76B71-013E-43DC-A72F-AE4244FCBE82}"/>
+              </a:ext>
+            </a:extLst>
+          </p:cNvPr>
+          <p:cNvCxnSpPr/>
+          <p:nvPr/>
+        </p:nvCxnSpPr>
+        <p:spPr>
+          <a:xfrm>
+            <a:off x="5397500" y="876300"/>
+            <a:ext cx="0" cy="5276850"/>
+          </a:xfrm>
+          <a:prstGeom prst="line">
+            <a:avLst/>
+          </a:prstGeom>
+          <a:ln>
+            <a:solidFill>
+              <a:schemeClr val="bg1">
+                <a:lumMod val="85000"/>
+              </a:schemeClr>
+            </a:solidFill>
+            <a:prstDash val="lgDash"/>
+          </a:ln>
+        </p:spPr>
+        <p:style>
+          <a:lnRef idx="1">
+            <a:schemeClr val="accent1"/>
+          </a:lnRef>
+          <a:fillRef idx="0">
+            <a:schemeClr val="accent1"/>
+          </a:fillRef>
+          <a:effectRef idx="0">
+            <a:schemeClr val="accent1"/>
+          </a:effectRef>
+          <a:fontRef idx="minor">
+            <a:schemeClr val="tx1"/>
+          </a:fontRef>
+        </p:style>
+      </p:cxnSp>
+      <p:cxnSp>
+        <p:nvCxnSpPr>
+          <p:cNvPr id="39" name="直線接點 38">
+            <a:extLst>
+              <a:ext uri="{FF2B5EF4-FFF2-40B4-BE49-F238E27FC236}">
+                <a16:creationId xmlns:a16="http://schemas.microsoft.com/office/drawing/2014/main" id="{923C748C-A5CA-4447-861D-20DBB994411A}"/>
+              </a:ext>
+            </a:extLst>
+          </p:cNvPr>
+          <p:cNvCxnSpPr/>
+          <p:nvPr/>
+        </p:nvCxnSpPr>
+        <p:spPr>
+          <a:xfrm>
+            <a:off x="5778500" y="876300"/>
+            <a:ext cx="0" cy="5276850"/>
+          </a:xfrm>
+          <a:prstGeom prst="line">
+            <a:avLst/>
+          </a:prstGeom>
+          <a:ln>
+            <a:solidFill>
+              <a:schemeClr val="bg1">
+                <a:lumMod val="85000"/>
+              </a:schemeClr>
+            </a:solidFill>
+            <a:prstDash val="lgDash"/>
+          </a:ln>
+        </p:spPr>
+        <p:style>
+          <a:lnRef idx="1">
+            <a:schemeClr val="accent1"/>
+          </a:lnRef>
+          <a:fillRef idx="0">
+            <a:schemeClr val="accent1"/>
+          </a:fillRef>
+          <a:effectRef idx="0">
+            <a:schemeClr val="accent1"/>
+          </a:effectRef>
+          <a:fontRef idx="minor">
+            <a:schemeClr val="tx1"/>
+          </a:fontRef>
+        </p:style>
+      </p:cxnSp>
+      <p:cxnSp>
+        <p:nvCxnSpPr>
+          <p:cNvPr id="40" name="直線接點 39">
+            <a:extLst>
+              <a:ext uri="{FF2B5EF4-FFF2-40B4-BE49-F238E27FC236}">
+                <a16:creationId xmlns:a16="http://schemas.microsoft.com/office/drawing/2014/main" id="{8A75385B-D746-4ECC-A1A5-3585E621657F}"/>
+              </a:ext>
+            </a:extLst>
+          </p:cNvPr>
+          <p:cNvCxnSpPr/>
+          <p:nvPr/>
+        </p:nvCxnSpPr>
+        <p:spPr>
+          <a:xfrm>
+            <a:off x="6184900" y="876300"/>
+            <a:ext cx="0" cy="5276850"/>
+          </a:xfrm>
+          <a:prstGeom prst="line">
+            <a:avLst/>
+          </a:prstGeom>
+          <a:ln>
+            <a:solidFill>
+              <a:schemeClr val="bg1">
+                <a:lumMod val="85000"/>
+              </a:schemeClr>
+            </a:solidFill>
+            <a:prstDash val="lgDash"/>
+          </a:ln>
+        </p:spPr>
+        <p:style>
+          <a:lnRef idx="1">
+            <a:schemeClr val="accent1"/>
+          </a:lnRef>
+          <a:fillRef idx="0">
+            <a:schemeClr val="accent1"/>
+          </a:fillRef>
+          <a:effectRef idx="0">
+            <a:schemeClr val="accent1"/>
+          </a:effectRef>
+          <a:fontRef idx="minor">
+            <a:schemeClr val="tx1"/>
+          </a:fontRef>
+        </p:style>
+      </p:cxnSp>
+      <p:cxnSp>
+        <p:nvCxnSpPr>
+          <p:cNvPr id="41" name="直線接點 40">
+            <a:extLst>
+              <a:ext uri="{FF2B5EF4-FFF2-40B4-BE49-F238E27FC236}">
+                <a16:creationId xmlns:a16="http://schemas.microsoft.com/office/drawing/2014/main" id="{36B8497A-B860-4EA1-BC8B-035829262972}"/>
+              </a:ext>
+            </a:extLst>
+          </p:cNvPr>
+          <p:cNvCxnSpPr/>
+          <p:nvPr/>
+        </p:nvCxnSpPr>
+        <p:spPr>
+          <a:xfrm>
+            <a:off x="6553200" y="876300"/>
+            <a:ext cx="0" cy="5276850"/>
+          </a:xfrm>
+          <a:prstGeom prst="line">
+            <a:avLst/>
+          </a:prstGeom>
+          <a:ln>
+            <a:solidFill>
+              <a:schemeClr val="bg1">
+                <a:lumMod val="85000"/>
+              </a:schemeClr>
+            </a:solidFill>
+            <a:prstDash val="lgDash"/>
+          </a:ln>
+        </p:spPr>
+        <p:style>
+          <a:lnRef idx="1">
+            <a:schemeClr val="accent1"/>
+          </a:lnRef>
+          <a:fillRef idx="0">
+            <a:schemeClr val="accent1"/>
+          </a:fillRef>
+          <a:effectRef idx="0">
+            <a:schemeClr val="accent1"/>
+          </a:effectRef>
+          <a:fontRef idx="minor">
+            <a:schemeClr val="tx1"/>
+          </a:fontRef>
+        </p:style>
+      </p:cxnSp>
+      <p:cxnSp>
+        <p:nvCxnSpPr>
+          <p:cNvPr id="42" name="直線接點 41">
+            <a:extLst>
+              <a:ext uri="{FF2B5EF4-FFF2-40B4-BE49-F238E27FC236}">
+                <a16:creationId xmlns:a16="http://schemas.microsoft.com/office/drawing/2014/main" id="{DF42E65F-7650-4F4F-8B71-A860CA763AF0}"/>
+              </a:ext>
+            </a:extLst>
+          </p:cNvPr>
+          <p:cNvCxnSpPr/>
+          <p:nvPr/>
+        </p:nvCxnSpPr>
+        <p:spPr>
+          <a:xfrm>
+            <a:off x="6921500" y="876300"/>
+            <a:ext cx="0" cy="5276850"/>
+          </a:xfrm>
+          <a:prstGeom prst="line">
+            <a:avLst/>
+          </a:prstGeom>
+          <a:ln>
+            <a:solidFill>
+              <a:schemeClr val="tx1"/>
+            </a:solidFill>
+            <a:prstDash val="lgDash"/>
+          </a:ln>
+        </p:spPr>
+        <p:style>
+          <a:lnRef idx="1">
+            <a:schemeClr val="accent1"/>
+          </a:lnRef>
+          <a:fillRef idx="0">
+            <a:schemeClr val="accent1"/>
+          </a:fillRef>
+          <a:effectRef idx="0">
+            <a:schemeClr val="accent1"/>
+          </a:effectRef>
+          <a:fontRef idx="minor">
+            <a:schemeClr val="tx1"/>
+          </a:fontRef>
+        </p:style>
+      </p:cxnSp>
+      <p:cxnSp>
+        <p:nvCxnSpPr>
+          <p:cNvPr id="43" name="直線接點 42">
+            <a:extLst>
+              <a:ext uri="{FF2B5EF4-FFF2-40B4-BE49-F238E27FC236}">
+                <a16:creationId xmlns:a16="http://schemas.microsoft.com/office/drawing/2014/main" id="{342308A6-A496-42A0-9001-63E80D8F6336}"/>
+              </a:ext>
+            </a:extLst>
+          </p:cNvPr>
+          <p:cNvCxnSpPr/>
+          <p:nvPr/>
+        </p:nvCxnSpPr>
+        <p:spPr>
+          <a:xfrm>
+            <a:off x="7302500" y="876300"/>
+            <a:ext cx="0" cy="5276850"/>
+          </a:xfrm>
+          <a:prstGeom prst="line">
+            <a:avLst/>
+          </a:prstGeom>
+          <a:ln>
+            <a:solidFill>
+              <a:schemeClr val="bg1">
+                <a:lumMod val="85000"/>
+              </a:schemeClr>
+            </a:solidFill>
+            <a:prstDash val="lgDash"/>
+          </a:ln>
+        </p:spPr>
+        <p:style>
+          <a:lnRef idx="1">
+            <a:schemeClr val="accent1"/>
+          </a:lnRef>
+          <a:fillRef idx="0">
+            <a:schemeClr val="accent1"/>
+          </a:fillRef>
+          <a:effectRef idx="0">
+            <a:schemeClr val="accent1"/>
+          </a:effectRef>
+          <a:fontRef idx="minor">
+            <a:schemeClr val="tx1"/>
+          </a:fontRef>
+        </p:style>
+      </p:cxnSp>
+      <p:cxnSp>
+        <p:nvCxnSpPr>
+          <p:cNvPr id="44" name="直線接點 43">
+            <a:extLst>
+              <a:ext uri="{FF2B5EF4-FFF2-40B4-BE49-F238E27FC236}">
+                <a16:creationId xmlns:a16="http://schemas.microsoft.com/office/drawing/2014/main" id="{A687D678-F7D6-40B0-99F3-9347907D730A}"/>
+              </a:ext>
+            </a:extLst>
+          </p:cNvPr>
+          <p:cNvCxnSpPr/>
+          <p:nvPr/>
+        </p:nvCxnSpPr>
+        <p:spPr>
+          <a:xfrm>
+            <a:off x="7683500" y="876300"/>
+            <a:ext cx="0" cy="5276850"/>
+          </a:xfrm>
+          <a:prstGeom prst="line">
+            <a:avLst/>
+          </a:prstGeom>
+          <a:ln>
+            <a:solidFill>
+              <a:schemeClr val="bg1">
+                <a:lumMod val="85000"/>
+              </a:schemeClr>
+            </a:solidFill>
+            <a:prstDash val="lgDash"/>
+          </a:ln>
+        </p:spPr>
+        <p:style>
+          <a:lnRef idx="1">
+            <a:schemeClr val="accent1"/>
+          </a:lnRef>
+          <a:fillRef idx="0">
+            <a:schemeClr val="accent1"/>
+          </a:fillRef>
+          <a:effectRef idx="0">
+            <a:schemeClr val="accent1"/>
+          </a:effectRef>
+          <a:fontRef idx="minor">
+            <a:schemeClr val="tx1"/>
+          </a:fontRef>
+        </p:style>
+      </p:cxnSp>
+      <p:cxnSp>
+        <p:nvCxnSpPr>
+          <p:cNvPr id="45" name="直線接點 44">
+            <a:extLst>
+              <a:ext uri="{FF2B5EF4-FFF2-40B4-BE49-F238E27FC236}">
+                <a16:creationId xmlns:a16="http://schemas.microsoft.com/office/drawing/2014/main" id="{64395474-827F-4A31-8362-565E78DBB342}"/>
+              </a:ext>
+            </a:extLst>
+          </p:cNvPr>
+          <p:cNvCxnSpPr/>
+          <p:nvPr/>
+        </p:nvCxnSpPr>
+        <p:spPr>
+          <a:xfrm>
+            <a:off x="8089900" y="876300"/>
+            <a:ext cx="0" cy="5276850"/>
+          </a:xfrm>
+          <a:prstGeom prst="line">
+            <a:avLst/>
+          </a:prstGeom>
+          <a:ln>
+            <a:solidFill>
+              <a:schemeClr val="bg1">
+                <a:lumMod val="85000"/>
+              </a:schemeClr>
+            </a:solidFill>
+            <a:prstDash val="lgDash"/>
+          </a:ln>
+        </p:spPr>
+        <p:style>
+          <a:lnRef idx="1">
+            <a:schemeClr val="accent1"/>
+          </a:lnRef>
+          <a:fillRef idx="0">
+            <a:schemeClr val="accent1"/>
+          </a:fillRef>
+          <a:effectRef idx="0">
+            <a:schemeClr val="accent1"/>
+          </a:effectRef>
+          <a:fontRef idx="minor">
+            <a:schemeClr val="tx1"/>
+          </a:fontRef>
+        </p:style>
+      </p:cxnSp>
+      <p:sp>
+        <p:nvSpPr>
+          <p:cNvPr id="48" name="文字方塊 47">
+            <a:extLst>
+              <a:ext uri="{FF2B5EF4-FFF2-40B4-BE49-F238E27FC236}">
+                <a16:creationId xmlns:a16="http://schemas.microsoft.com/office/drawing/2014/main" id="{B0914EE9-C086-406A-9C4C-962561D822C7}"/>
+              </a:ext>
+            </a:extLst>
+          </p:cNvPr>
+          <p:cNvSpPr txBox="1"/>
+          <p:nvPr/>
+        </p:nvSpPr>
+        <p:spPr>
+          <a:xfrm>
+            <a:off x="971550" y="590550"/>
+            <a:ext cx="6276077" cy="369332"/>
+          </a:xfrm>
+          <a:prstGeom prst="rect">
+            <a:avLst/>
+          </a:prstGeom>
+          <a:noFill/>
+        </p:spPr>
+        <p:txBody>
+          <a:bodyPr wrap="none" rtlCol="0">
+            <a:spAutoFit/>
+          </a:bodyPr>
+          <a:lstStyle/>
+          <a:p>
+            <a:r>
+              <a:rPr lang="en-US" dirty="0"/>
+              <a:t>-5		   0		     5 		     10</a:t>
+            </a:r>
+          </a:p>
+        </p:txBody>
+      </p:sp>
+      <p:sp>
+        <p:nvSpPr>
+          <p:cNvPr id="49" name="矩形 48">
+            <a:extLst>
+              <a:ext uri="{FF2B5EF4-FFF2-40B4-BE49-F238E27FC236}">
+                <a16:creationId xmlns:a16="http://schemas.microsoft.com/office/drawing/2014/main" id="{B59C97FA-1E40-4102-8858-94C7CFB7212D}"/>
+              </a:ext>
+            </a:extLst>
+          </p:cNvPr>
+          <p:cNvSpPr/>
+          <p:nvPr/>
+        </p:nvSpPr>
+        <p:spPr>
+          <a:xfrm>
+            <a:off x="3486150" y="1098550"/>
+            <a:ext cx="3435349" cy="311150"/>
+          </a:xfrm>
+          <a:prstGeom prst="rect">
+            <a:avLst/>
+          </a:prstGeom>
+        </p:spPr>
+        <p:style>
+          <a:lnRef idx="2">
+            <a:schemeClr val="accent1">
+              <a:shade val="50000"/>
+            </a:schemeClr>
+          </a:lnRef>
+          <a:fillRef idx="1">
+            <a:schemeClr val="accent1"/>
+          </a:fillRef>
+          <a:effectRef idx="0">
+            <a:schemeClr val="accent1"/>
+          </a:effectRef>
+          <a:fontRef idx="minor">
+            <a:schemeClr val="lt1"/>
+          </a:fontRef>
+        </p:style>
+        <p:txBody>
+          <a:bodyPr rtlCol="0" anchor="ctr"/>
+          <a:lstStyle/>
+          <a:p>
+            <a:pPr algn="ctr"/>
+            <a:r>
+              <a:rPr lang="en-US" dirty="0"/>
+              <a:t>A</a:t>
+            </a:r>
+          </a:p>
+        </p:txBody>
+      </p:sp>
+      <p:sp>
+        <p:nvSpPr>
+          <p:cNvPr id="50" name="矩形 49">
+            <a:extLst>
+              <a:ext uri="{FF2B5EF4-FFF2-40B4-BE49-F238E27FC236}">
+                <a16:creationId xmlns:a16="http://schemas.microsoft.com/office/drawing/2014/main" id="{60169BD7-E0E5-496B-9EAE-0C4DBF2553BF}"/>
+              </a:ext>
+            </a:extLst>
+          </p:cNvPr>
+          <p:cNvSpPr/>
+          <p:nvPr/>
+        </p:nvSpPr>
+        <p:spPr>
+          <a:xfrm>
+            <a:off x="3867150" y="1435101"/>
+            <a:ext cx="2686047" cy="311150"/>
+          </a:xfrm>
+          <a:prstGeom prst="rect">
+            <a:avLst/>
+          </a:prstGeom>
+        </p:spPr>
+        <p:style>
+          <a:lnRef idx="1">
+            <a:schemeClr val="accent6"/>
+          </a:lnRef>
+          <a:fillRef idx="2">
+            <a:schemeClr val="accent6"/>
+          </a:fillRef>
+          <a:effectRef idx="1">
+            <a:schemeClr val="accent6"/>
+          </a:effectRef>
+          <a:fontRef idx="minor">
+            <a:schemeClr val="dk1"/>
+          </a:fontRef>
+        </p:style>
+        <p:txBody>
+          <a:bodyPr rtlCol="0" anchor="ctr"/>
+          <a:lstStyle/>
+          <a:p>
+            <a:pPr algn="ctr"/>
+            <a:r>
+              <a:rPr lang="en-US" dirty="0"/>
+              <a:t>B</a:t>
+            </a:r>
+          </a:p>
+        </p:txBody>
+      </p:sp>
+      <p:sp>
+        <p:nvSpPr>
+          <p:cNvPr id="51" name="矩形 50">
+            <a:extLst>
+              <a:ext uri="{FF2B5EF4-FFF2-40B4-BE49-F238E27FC236}">
+                <a16:creationId xmlns:a16="http://schemas.microsoft.com/office/drawing/2014/main" id="{86043D21-C596-4D57-BAF8-87E4AAC16F1B}"/>
+              </a:ext>
+            </a:extLst>
+          </p:cNvPr>
+          <p:cNvSpPr/>
+          <p:nvPr/>
+        </p:nvSpPr>
+        <p:spPr>
+          <a:xfrm>
+            <a:off x="841377" y="1435101"/>
+            <a:ext cx="1898649" cy="311150"/>
+          </a:xfrm>
+          <a:prstGeom prst="rect">
+            <a:avLst/>
+          </a:prstGeom>
+        </p:spPr>
+        <p:style>
+          <a:lnRef idx="2">
+            <a:schemeClr val="accent1">
+              <a:shade val="50000"/>
+            </a:schemeClr>
+          </a:lnRef>
+          <a:fillRef idx="1">
+            <a:schemeClr val="accent1"/>
+          </a:fillRef>
+          <a:effectRef idx="0">
+            <a:schemeClr val="accent1"/>
+          </a:effectRef>
+          <a:fontRef idx="minor">
+            <a:schemeClr val="lt1"/>
+          </a:fontRef>
+        </p:style>
+        <p:txBody>
+          <a:bodyPr rtlCol="0" anchor="ctr"/>
+          <a:lstStyle/>
+          <a:p>
+            <a:pPr algn="ctr"/>
+            <a:r>
+              <a:rPr lang="en-US" dirty="0"/>
+              <a:t>C</a:t>
+            </a:r>
+          </a:p>
+        </p:txBody>
+      </p:sp>
+      <p:sp>
+        <p:nvSpPr>
+          <p:cNvPr id="52" name="矩形 51">
+            <a:extLst>
+              <a:ext uri="{FF2B5EF4-FFF2-40B4-BE49-F238E27FC236}">
+                <a16:creationId xmlns:a16="http://schemas.microsoft.com/office/drawing/2014/main" id="{E1973BFF-C370-4E25-BC66-540B284C05E0}"/>
+              </a:ext>
+            </a:extLst>
+          </p:cNvPr>
+          <p:cNvSpPr/>
+          <p:nvPr/>
+        </p:nvSpPr>
+        <p:spPr>
+          <a:xfrm>
+            <a:off x="1216028" y="1771652"/>
+            <a:ext cx="374650" cy="311150"/>
+          </a:xfrm>
+          <a:prstGeom prst="rect">
+            <a:avLst/>
+          </a:prstGeom>
+        </p:spPr>
+        <p:style>
+          <a:lnRef idx="2">
+            <a:schemeClr val="accent1">
+              <a:shade val="50000"/>
+            </a:schemeClr>
+          </a:lnRef>
+          <a:fillRef idx="1">
+            <a:schemeClr val="accent1"/>
+          </a:fillRef>
+          <a:effectRef idx="0">
+            <a:schemeClr val="accent1"/>
+          </a:effectRef>
+          <a:fontRef idx="minor">
+            <a:schemeClr val="lt1"/>
+          </a:fontRef>
+        </p:style>
+        <p:txBody>
+          <a:bodyPr rtlCol="0" anchor="ctr"/>
+          <a:lstStyle/>
+          <a:p>
+            <a:pPr algn="ctr"/>
+            <a:r>
+              <a:rPr lang="en-US" dirty="0"/>
+              <a:t>D</a:t>
+            </a:r>
+          </a:p>
+        </p:txBody>
+      </p:sp>
+      <p:sp>
+        <p:nvSpPr>
+          <p:cNvPr id="53" name="矩形 52">
+            <a:extLst>
+              <a:ext uri="{FF2B5EF4-FFF2-40B4-BE49-F238E27FC236}">
+                <a16:creationId xmlns:a16="http://schemas.microsoft.com/office/drawing/2014/main" id="{5296FC3B-0FCB-4509-AE0A-AE509AEB55E0}"/>
+              </a:ext>
+            </a:extLst>
+          </p:cNvPr>
+          <p:cNvSpPr/>
+          <p:nvPr/>
+        </p:nvSpPr>
+        <p:spPr>
+          <a:xfrm>
+            <a:off x="1965328" y="1771652"/>
+            <a:ext cx="374650" cy="311150"/>
+          </a:xfrm>
+          <a:prstGeom prst="rect">
+            <a:avLst/>
+          </a:prstGeom>
+        </p:spPr>
+        <p:style>
+          <a:lnRef idx="2">
+            <a:schemeClr val="accent1">
+              <a:shade val="50000"/>
+            </a:schemeClr>
+          </a:lnRef>
+          <a:fillRef idx="1">
+            <a:schemeClr val="accent1"/>
+          </a:fillRef>
+          <a:effectRef idx="0">
+            <a:schemeClr val="accent1"/>
+          </a:effectRef>
+          <a:fontRef idx="minor">
+            <a:schemeClr val="lt1"/>
+          </a:fontRef>
+        </p:style>
+        <p:txBody>
+          <a:bodyPr rtlCol="0" anchor="ctr"/>
+          <a:lstStyle/>
+          <a:p>
+            <a:pPr algn="ctr"/>
+            <a:r>
+              <a:rPr lang="en-US" dirty="0"/>
+              <a:t>E</a:t>
+            </a:r>
+          </a:p>
+        </p:txBody>
+      </p:sp>
+    </p:spTree>
+    <p:extLst>
+      <p:ext uri="{BB962C8B-B14F-4D97-AF65-F5344CB8AC3E}">
+        <p14:creationId xmlns:p14="http://schemas.microsoft.com/office/powerpoint/2010/main" val="466776289"/>
+      </p:ext>
+    </p:extLst>
+  </p:cSld>
+  <p:clrMapOvr>
+    <a:masterClrMapping/>
+  </p:clrMapOvr>
+</p:sld>
+</file>
+
+<file path=ppt/slides/slide6.xml><?xml version="1.0" encoding="utf-8"?>
+<p:sld xmlns:a="http://schemas.openxmlformats.org/drawingml/2006/main" xmlns:r="http://schemas.openxmlformats.org/officeDocument/2006/relationships" xmlns:p="http://schemas.openxmlformats.org/presentationml/2006/main">
+  <p:cSld>
+    <p:spTree>
+      <p:nvGrpSpPr>
+        <p:cNvPr id="1" name=""/>
+        <p:cNvGrpSpPr/>
+        <p:nvPr/>
+      </p:nvGrpSpPr>
+      <p:grpSpPr>
+        <a:xfrm>
+          <a:off x="0" y="0"/>
+          <a:ext cx="0" cy="0"/>
+          <a:chOff x="0" y="0"/>
+          <a:chExt cx="0" cy="0"/>
+        </a:xfrm>
+      </p:grpSpPr>
+      <p:cxnSp>
+        <p:nvCxnSpPr>
+          <p:cNvPr id="5" name="直線接點 4">
+            <a:extLst>
+              <a:ext uri="{FF2B5EF4-FFF2-40B4-BE49-F238E27FC236}">
+                <a16:creationId xmlns:a16="http://schemas.microsoft.com/office/drawing/2014/main" id="{6772F55E-4DEE-4021-B167-40FF2BA347A6}"/>
+              </a:ext>
+            </a:extLst>
+          </p:cNvPr>
+          <p:cNvCxnSpPr>
+            <a:cxnSpLocks/>
+          </p:cNvCxnSpPr>
+          <p:nvPr/>
+        </p:nvCxnSpPr>
+        <p:spPr>
+          <a:xfrm>
+            <a:off x="482600" y="952500"/>
+            <a:ext cx="8020050" cy="0"/>
+          </a:xfrm>
+          <a:prstGeom prst="line">
+            <a:avLst/>
+          </a:prstGeom>
+          <a:ln>
+            <a:headEnd type="none" w="med" len="med"/>
+            <a:tailEnd type="triangle" w="med" len="med"/>
+          </a:ln>
+        </p:spPr>
+        <p:style>
+          <a:lnRef idx="1">
+            <a:schemeClr val="accent1"/>
+          </a:lnRef>
+          <a:fillRef idx="0">
+            <a:schemeClr val="accent1"/>
+          </a:fillRef>
+          <a:effectRef idx="0">
+            <a:schemeClr val="accent1"/>
+          </a:effectRef>
+          <a:fontRef idx="minor">
+            <a:schemeClr val="tx1"/>
+          </a:fontRef>
+        </p:style>
+      </p:cxnSp>
+      <p:cxnSp>
+        <p:nvCxnSpPr>
+          <p:cNvPr id="26" name="直線接點 25">
+            <a:extLst>
+              <a:ext uri="{FF2B5EF4-FFF2-40B4-BE49-F238E27FC236}">
+                <a16:creationId xmlns:a16="http://schemas.microsoft.com/office/drawing/2014/main" id="{C96082B3-EB6C-4D5E-B9B0-C8E306FC04E4}"/>
+              </a:ext>
+            </a:extLst>
+          </p:cNvPr>
+          <p:cNvCxnSpPr/>
+          <p:nvPr/>
+        </p:nvCxnSpPr>
+        <p:spPr>
+          <a:xfrm>
+            <a:off x="806450" y="876300"/>
+            <a:ext cx="0" cy="5276850"/>
+          </a:xfrm>
+          <a:prstGeom prst="line">
+            <a:avLst/>
+          </a:prstGeom>
+          <a:ln>
+            <a:solidFill>
+              <a:schemeClr val="bg1">
+                <a:lumMod val="85000"/>
+              </a:schemeClr>
+            </a:solidFill>
+            <a:prstDash val="lgDash"/>
+          </a:ln>
+        </p:spPr>
+        <p:style>
+          <a:lnRef idx="1">
+            <a:schemeClr val="accent1"/>
+          </a:lnRef>
+          <a:fillRef idx="0">
+            <a:schemeClr val="accent1"/>
+          </a:fillRef>
+          <a:effectRef idx="0">
+            <a:schemeClr val="accent1"/>
+          </a:effectRef>
+          <a:fontRef idx="minor">
+            <a:schemeClr val="tx1"/>
+          </a:fontRef>
+        </p:style>
+      </p:cxnSp>
+      <p:cxnSp>
+        <p:nvCxnSpPr>
+          <p:cNvPr id="27" name="直線接點 26">
+            <a:extLst>
+              <a:ext uri="{FF2B5EF4-FFF2-40B4-BE49-F238E27FC236}">
+                <a16:creationId xmlns:a16="http://schemas.microsoft.com/office/drawing/2014/main" id="{E171B812-51C3-486A-ADA3-972B8FE4CFBA}"/>
+              </a:ext>
+            </a:extLst>
+          </p:cNvPr>
+          <p:cNvCxnSpPr/>
+          <p:nvPr/>
+        </p:nvCxnSpPr>
+        <p:spPr>
+          <a:xfrm>
+            <a:off x="1174750" y="876300"/>
+            <a:ext cx="0" cy="5276850"/>
+          </a:xfrm>
+          <a:prstGeom prst="line">
+            <a:avLst/>
+          </a:prstGeom>
+          <a:ln>
+            <a:solidFill>
+              <a:schemeClr val="tx1"/>
+            </a:solidFill>
+            <a:prstDash val="lgDash"/>
+          </a:ln>
+        </p:spPr>
+        <p:style>
+          <a:lnRef idx="1">
+            <a:schemeClr val="accent1"/>
+          </a:lnRef>
+          <a:fillRef idx="0">
+            <a:schemeClr val="accent1"/>
+          </a:fillRef>
+          <a:effectRef idx="0">
+            <a:schemeClr val="accent1"/>
+          </a:effectRef>
+          <a:fontRef idx="minor">
+            <a:schemeClr val="tx1"/>
+          </a:fontRef>
+        </p:style>
+      </p:cxnSp>
+      <p:cxnSp>
+        <p:nvCxnSpPr>
+          <p:cNvPr id="28" name="直線接點 27">
+            <a:extLst>
+              <a:ext uri="{FF2B5EF4-FFF2-40B4-BE49-F238E27FC236}">
+                <a16:creationId xmlns:a16="http://schemas.microsoft.com/office/drawing/2014/main" id="{23A757FF-AE24-4C4B-8685-FEEE0CB17786}"/>
+              </a:ext>
+            </a:extLst>
+          </p:cNvPr>
+          <p:cNvCxnSpPr/>
+          <p:nvPr/>
+        </p:nvCxnSpPr>
+        <p:spPr>
+          <a:xfrm>
+            <a:off x="1555750" y="876300"/>
+            <a:ext cx="0" cy="5276850"/>
+          </a:xfrm>
+          <a:prstGeom prst="line">
+            <a:avLst/>
+          </a:prstGeom>
+          <a:ln>
+            <a:solidFill>
+              <a:schemeClr val="bg1">
+                <a:lumMod val="85000"/>
+              </a:schemeClr>
+            </a:solidFill>
+            <a:prstDash val="lgDash"/>
+          </a:ln>
+        </p:spPr>
+        <p:style>
+          <a:lnRef idx="1">
+            <a:schemeClr val="accent1"/>
+          </a:lnRef>
+          <a:fillRef idx="0">
+            <a:schemeClr val="accent1"/>
+          </a:fillRef>
+          <a:effectRef idx="0">
+            <a:schemeClr val="accent1"/>
+          </a:effectRef>
+          <a:fontRef idx="minor">
+            <a:schemeClr val="tx1"/>
+          </a:fontRef>
+        </p:style>
+      </p:cxnSp>
+      <p:cxnSp>
+        <p:nvCxnSpPr>
+          <p:cNvPr id="29" name="直線接點 28">
+            <a:extLst>
+              <a:ext uri="{FF2B5EF4-FFF2-40B4-BE49-F238E27FC236}">
+                <a16:creationId xmlns:a16="http://schemas.microsoft.com/office/drawing/2014/main" id="{A0A23865-50B8-45C2-A1D1-687880D5682F}"/>
+              </a:ext>
+            </a:extLst>
+          </p:cNvPr>
+          <p:cNvCxnSpPr/>
+          <p:nvPr/>
+        </p:nvCxnSpPr>
+        <p:spPr>
+          <a:xfrm>
+            <a:off x="1936750" y="876300"/>
+            <a:ext cx="0" cy="5276850"/>
+          </a:xfrm>
+          <a:prstGeom prst="line">
+            <a:avLst/>
+          </a:prstGeom>
+          <a:ln>
+            <a:solidFill>
+              <a:schemeClr val="bg1">
+                <a:lumMod val="85000"/>
+              </a:schemeClr>
+            </a:solidFill>
+            <a:prstDash val="lgDash"/>
+          </a:ln>
+        </p:spPr>
+        <p:style>
+          <a:lnRef idx="1">
+            <a:schemeClr val="accent1"/>
+          </a:lnRef>
+          <a:fillRef idx="0">
+            <a:schemeClr val="accent1"/>
+          </a:fillRef>
+          <a:effectRef idx="0">
+            <a:schemeClr val="accent1"/>
+          </a:effectRef>
+          <a:fontRef idx="minor">
+            <a:schemeClr val="tx1"/>
+          </a:fontRef>
+        </p:style>
+      </p:cxnSp>
+      <p:cxnSp>
+        <p:nvCxnSpPr>
+          <p:cNvPr id="30" name="直線接點 29">
+            <a:extLst>
+              <a:ext uri="{FF2B5EF4-FFF2-40B4-BE49-F238E27FC236}">
+                <a16:creationId xmlns:a16="http://schemas.microsoft.com/office/drawing/2014/main" id="{8C4DCB02-1FB9-4AAD-AA3D-F5D73F497758}"/>
+              </a:ext>
+            </a:extLst>
+          </p:cNvPr>
+          <p:cNvCxnSpPr/>
+          <p:nvPr/>
+        </p:nvCxnSpPr>
+        <p:spPr>
+          <a:xfrm>
+            <a:off x="2343150" y="876300"/>
+            <a:ext cx="0" cy="5276850"/>
+          </a:xfrm>
+          <a:prstGeom prst="line">
+            <a:avLst/>
+          </a:prstGeom>
+          <a:ln>
+            <a:solidFill>
+              <a:schemeClr val="bg1">
+                <a:lumMod val="85000"/>
+              </a:schemeClr>
+            </a:solidFill>
+            <a:prstDash val="lgDash"/>
+          </a:ln>
+        </p:spPr>
+        <p:style>
+          <a:lnRef idx="1">
+            <a:schemeClr val="accent1"/>
+          </a:lnRef>
+          <a:fillRef idx="0">
+            <a:schemeClr val="accent1"/>
+          </a:fillRef>
+          <a:effectRef idx="0">
+            <a:schemeClr val="accent1"/>
+          </a:effectRef>
+          <a:fontRef idx="minor">
+            <a:schemeClr val="tx1"/>
+          </a:fontRef>
+        </p:style>
+      </p:cxnSp>
+      <p:cxnSp>
+        <p:nvCxnSpPr>
+          <p:cNvPr id="31" name="直線接點 30">
+            <a:extLst>
+              <a:ext uri="{FF2B5EF4-FFF2-40B4-BE49-F238E27FC236}">
+                <a16:creationId xmlns:a16="http://schemas.microsoft.com/office/drawing/2014/main" id="{4995F1B0-86EA-49A3-9B2C-142B3F0D649C}"/>
+              </a:ext>
+            </a:extLst>
+          </p:cNvPr>
+          <p:cNvCxnSpPr/>
+          <p:nvPr/>
+        </p:nvCxnSpPr>
+        <p:spPr>
+          <a:xfrm>
+            <a:off x="2736850" y="876300"/>
+            <a:ext cx="0" cy="5276850"/>
+          </a:xfrm>
+          <a:prstGeom prst="line">
+            <a:avLst/>
+          </a:prstGeom>
+          <a:ln>
+            <a:solidFill>
+              <a:schemeClr val="bg1">
+                <a:lumMod val="85000"/>
+              </a:schemeClr>
+            </a:solidFill>
+            <a:prstDash val="lgDash"/>
+          </a:ln>
+        </p:spPr>
+        <p:style>
+          <a:lnRef idx="1">
+            <a:schemeClr val="accent1"/>
+          </a:lnRef>
+          <a:fillRef idx="0">
+            <a:schemeClr val="accent1"/>
+          </a:fillRef>
+          <a:effectRef idx="0">
+            <a:schemeClr val="accent1"/>
+          </a:effectRef>
+          <a:fontRef idx="minor">
+            <a:schemeClr val="tx1"/>
+          </a:fontRef>
+        </p:style>
+      </p:cxnSp>
+      <p:cxnSp>
+        <p:nvCxnSpPr>
+          <p:cNvPr id="32" name="直線接點 31">
+            <a:extLst>
+              <a:ext uri="{FF2B5EF4-FFF2-40B4-BE49-F238E27FC236}">
+                <a16:creationId xmlns:a16="http://schemas.microsoft.com/office/drawing/2014/main" id="{4A4B5479-79A9-4E73-AE60-48BB9AE00F7E}"/>
+              </a:ext>
+            </a:extLst>
+          </p:cNvPr>
+          <p:cNvCxnSpPr/>
+          <p:nvPr/>
+        </p:nvCxnSpPr>
+        <p:spPr>
+          <a:xfrm>
+            <a:off x="3105150" y="876300"/>
+            <a:ext cx="0" cy="5276850"/>
+          </a:xfrm>
+          <a:prstGeom prst="line">
+            <a:avLst/>
+          </a:prstGeom>
+          <a:ln>
+            <a:solidFill>
+              <a:schemeClr val="tx1"/>
+            </a:solidFill>
+            <a:prstDash val="lgDash"/>
+          </a:ln>
+        </p:spPr>
+        <p:style>
+          <a:lnRef idx="1">
+            <a:schemeClr val="accent1"/>
+          </a:lnRef>
+          <a:fillRef idx="0">
+            <a:schemeClr val="accent1"/>
+          </a:fillRef>
+          <a:effectRef idx="0">
+            <a:schemeClr val="accent1"/>
+          </a:effectRef>
+          <a:fontRef idx="minor">
+            <a:schemeClr val="tx1"/>
+          </a:fontRef>
+        </p:style>
+      </p:cxnSp>
+      <p:cxnSp>
+        <p:nvCxnSpPr>
+          <p:cNvPr id="33" name="直線接點 32">
+            <a:extLst>
+              <a:ext uri="{FF2B5EF4-FFF2-40B4-BE49-F238E27FC236}">
+                <a16:creationId xmlns:a16="http://schemas.microsoft.com/office/drawing/2014/main" id="{329C0498-F5B6-4545-9AE4-E47D1A1A50BE}"/>
+              </a:ext>
+            </a:extLst>
+          </p:cNvPr>
+          <p:cNvCxnSpPr/>
+          <p:nvPr/>
+        </p:nvCxnSpPr>
+        <p:spPr>
+          <a:xfrm>
+            <a:off x="3486150" y="876300"/>
+            <a:ext cx="0" cy="5276850"/>
+          </a:xfrm>
+          <a:prstGeom prst="line">
+            <a:avLst/>
+          </a:prstGeom>
+          <a:ln>
+            <a:solidFill>
+              <a:schemeClr val="bg1">
+                <a:lumMod val="85000"/>
+              </a:schemeClr>
+            </a:solidFill>
+            <a:prstDash val="lgDash"/>
+          </a:ln>
+        </p:spPr>
+        <p:style>
+          <a:lnRef idx="1">
+            <a:schemeClr val="accent1"/>
+          </a:lnRef>
+          <a:fillRef idx="0">
+            <a:schemeClr val="accent1"/>
+          </a:fillRef>
+          <a:effectRef idx="0">
+            <a:schemeClr val="accent1"/>
+          </a:effectRef>
+          <a:fontRef idx="minor">
+            <a:schemeClr val="tx1"/>
+          </a:fontRef>
+        </p:style>
+      </p:cxnSp>
+      <p:cxnSp>
+        <p:nvCxnSpPr>
+          <p:cNvPr id="34" name="直線接點 33">
+            <a:extLst>
+              <a:ext uri="{FF2B5EF4-FFF2-40B4-BE49-F238E27FC236}">
+                <a16:creationId xmlns:a16="http://schemas.microsoft.com/office/drawing/2014/main" id="{4F563DAB-96FD-4BE2-A586-B07ED9DE4A9E}"/>
+              </a:ext>
+            </a:extLst>
+          </p:cNvPr>
+          <p:cNvCxnSpPr/>
+          <p:nvPr/>
+        </p:nvCxnSpPr>
+        <p:spPr>
+          <a:xfrm>
+            <a:off x="3867150" y="876300"/>
+            <a:ext cx="0" cy="5276850"/>
+          </a:xfrm>
+          <a:prstGeom prst="line">
+            <a:avLst/>
+          </a:prstGeom>
+          <a:ln>
+            <a:solidFill>
+              <a:schemeClr val="bg1">
+                <a:lumMod val="85000"/>
+              </a:schemeClr>
+            </a:solidFill>
+            <a:prstDash val="lgDash"/>
+          </a:ln>
+        </p:spPr>
+        <p:style>
+          <a:lnRef idx="1">
+            <a:schemeClr val="accent1"/>
+          </a:lnRef>
+          <a:fillRef idx="0">
+            <a:schemeClr val="accent1"/>
+          </a:fillRef>
+          <a:effectRef idx="0">
+            <a:schemeClr val="accent1"/>
+          </a:effectRef>
+          <a:fontRef idx="minor">
+            <a:schemeClr val="tx1"/>
+          </a:fontRef>
+        </p:style>
+      </p:cxnSp>
+      <p:cxnSp>
+        <p:nvCxnSpPr>
+          <p:cNvPr id="35" name="直線接點 34">
+            <a:extLst>
+              <a:ext uri="{FF2B5EF4-FFF2-40B4-BE49-F238E27FC236}">
+                <a16:creationId xmlns:a16="http://schemas.microsoft.com/office/drawing/2014/main" id="{16DB6E01-7415-4241-BED5-DAFCAEC4BD32}"/>
+              </a:ext>
+            </a:extLst>
+          </p:cNvPr>
+          <p:cNvCxnSpPr/>
+          <p:nvPr/>
+        </p:nvCxnSpPr>
+        <p:spPr>
+          <a:xfrm>
+            <a:off x="4273550" y="876300"/>
+            <a:ext cx="0" cy="5276850"/>
+          </a:xfrm>
+          <a:prstGeom prst="line">
+            <a:avLst/>
+          </a:prstGeom>
+          <a:ln>
+            <a:solidFill>
+              <a:schemeClr val="bg1">
+                <a:lumMod val="85000"/>
+              </a:schemeClr>
+            </a:solidFill>
+            <a:prstDash val="lgDash"/>
+          </a:ln>
+        </p:spPr>
+        <p:style>
+          <a:lnRef idx="1">
+            <a:schemeClr val="accent1"/>
+          </a:lnRef>
+          <a:fillRef idx="0">
+            <a:schemeClr val="accent1"/>
+          </a:fillRef>
+          <a:effectRef idx="0">
+            <a:schemeClr val="accent1"/>
+          </a:effectRef>
+          <a:fontRef idx="minor">
+            <a:schemeClr val="tx1"/>
+          </a:fontRef>
+        </p:style>
+      </p:cxnSp>
+      <p:cxnSp>
+        <p:nvCxnSpPr>
+          <p:cNvPr id="36" name="直線接點 35">
+            <a:extLst>
+              <a:ext uri="{FF2B5EF4-FFF2-40B4-BE49-F238E27FC236}">
+                <a16:creationId xmlns:a16="http://schemas.microsoft.com/office/drawing/2014/main" id="{0F7024B1-6B5D-47BC-A180-46BF5A1D726A}"/>
+              </a:ext>
+            </a:extLst>
+          </p:cNvPr>
+          <p:cNvCxnSpPr/>
+          <p:nvPr/>
+        </p:nvCxnSpPr>
+        <p:spPr>
+          <a:xfrm>
+            <a:off x="4648200" y="876300"/>
+            <a:ext cx="0" cy="5276850"/>
+          </a:xfrm>
+          <a:prstGeom prst="line">
+            <a:avLst/>
+          </a:prstGeom>
+          <a:ln>
+            <a:solidFill>
+              <a:schemeClr val="bg1">
+                <a:lumMod val="85000"/>
+              </a:schemeClr>
+            </a:solidFill>
+            <a:prstDash val="lgDash"/>
+          </a:ln>
+        </p:spPr>
+        <p:style>
+          <a:lnRef idx="1">
+            <a:schemeClr val="accent1"/>
+          </a:lnRef>
+          <a:fillRef idx="0">
+            <a:schemeClr val="accent1"/>
+          </a:fillRef>
+          <a:effectRef idx="0">
+            <a:schemeClr val="accent1"/>
+          </a:effectRef>
+          <a:fontRef idx="minor">
+            <a:schemeClr val="tx1"/>
+          </a:fontRef>
+        </p:style>
+      </p:cxnSp>
+      <p:cxnSp>
+        <p:nvCxnSpPr>
+          <p:cNvPr id="37" name="直線接點 36">
+            <a:extLst>
+              <a:ext uri="{FF2B5EF4-FFF2-40B4-BE49-F238E27FC236}">
+                <a16:creationId xmlns:a16="http://schemas.microsoft.com/office/drawing/2014/main" id="{9A4F7BD4-4047-4F01-B0E1-7DDD4B5880A3}"/>
+              </a:ext>
+            </a:extLst>
+          </p:cNvPr>
+          <p:cNvCxnSpPr/>
+          <p:nvPr/>
+        </p:nvCxnSpPr>
+        <p:spPr>
+          <a:xfrm>
+            <a:off x="5016500" y="876300"/>
+            <a:ext cx="0" cy="5276850"/>
+          </a:xfrm>
+          <a:prstGeom prst="line">
+            <a:avLst/>
+          </a:prstGeom>
+          <a:ln>
+            <a:solidFill>
+              <a:schemeClr val="tx1"/>
+            </a:solidFill>
+            <a:prstDash val="lgDash"/>
+          </a:ln>
+        </p:spPr>
+        <p:style>
+          <a:lnRef idx="1">
+            <a:schemeClr val="accent1"/>
+          </a:lnRef>
+          <a:fillRef idx="0">
+            <a:schemeClr val="accent1"/>
+          </a:fillRef>
+          <a:effectRef idx="0">
+            <a:schemeClr val="accent1"/>
+          </a:effectRef>
+          <a:fontRef idx="minor">
+            <a:schemeClr val="tx1"/>
+          </a:fontRef>
+        </p:style>
+      </p:cxnSp>
+      <p:cxnSp>
+        <p:nvCxnSpPr>
+          <p:cNvPr id="38" name="直線接點 37">
+            <a:extLst>
+              <a:ext uri="{FF2B5EF4-FFF2-40B4-BE49-F238E27FC236}">
+                <a16:creationId xmlns:a16="http://schemas.microsoft.com/office/drawing/2014/main" id="{3CA76B71-013E-43DC-A72F-AE4244FCBE82}"/>
+              </a:ext>
+            </a:extLst>
+          </p:cNvPr>
+          <p:cNvCxnSpPr/>
+          <p:nvPr/>
+        </p:nvCxnSpPr>
+        <p:spPr>
+          <a:xfrm>
+            <a:off x="5397500" y="876300"/>
+            <a:ext cx="0" cy="5276850"/>
+          </a:xfrm>
+          <a:prstGeom prst="line">
+            <a:avLst/>
+          </a:prstGeom>
+          <a:ln>
+            <a:solidFill>
+              <a:schemeClr val="bg1">
+                <a:lumMod val="85000"/>
+              </a:schemeClr>
+            </a:solidFill>
+            <a:prstDash val="lgDash"/>
+          </a:ln>
+        </p:spPr>
+        <p:style>
+          <a:lnRef idx="1">
+            <a:schemeClr val="accent1"/>
+          </a:lnRef>
+          <a:fillRef idx="0">
+            <a:schemeClr val="accent1"/>
+          </a:fillRef>
+          <a:effectRef idx="0">
+            <a:schemeClr val="accent1"/>
+          </a:effectRef>
+          <a:fontRef idx="minor">
+            <a:schemeClr val="tx1"/>
+          </a:fontRef>
+        </p:style>
+      </p:cxnSp>
+      <p:cxnSp>
+        <p:nvCxnSpPr>
+          <p:cNvPr id="39" name="直線接點 38">
+            <a:extLst>
+              <a:ext uri="{FF2B5EF4-FFF2-40B4-BE49-F238E27FC236}">
+                <a16:creationId xmlns:a16="http://schemas.microsoft.com/office/drawing/2014/main" id="{923C748C-A5CA-4447-861D-20DBB994411A}"/>
+              </a:ext>
+            </a:extLst>
+          </p:cNvPr>
+          <p:cNvCxnSpPr/>
+          <p:nvPr/>
+        </p:nvCxnSpPr>
+        <p:spPr>
+          <a:xfrm>
+            <a:off x="5778500" y="876300"/>
+            <a:ext cx="0" cy="5276850"/>
+          </a:xfrm>
+          <a:prstGeom prst="line">
+            <a:avLst/>
+          </a:prstGeom>
+          <a:ln>
+            <a:solidFill>
+              <a:schemeClr val="bg1">
+                <a:lumMod val="85000"/>
+              </a:schemeClr>
+            </a:solidFill>
+            <a:prstDash val="lgDash"/>
+          </a:ln>
+        </p:spPr>
+        <p:style>
+          <a:lnRef idx="1">
+            <a:schemeClr val="accent1"/>
+          </a:lnRef>
+          <a:fillRef idx="0">
+            <a:schemeClr val="accent1"/>
+          </a:fillRef>
+          <a:effectRef idx="0">
+            <a:schemeClr val="accent1"/>
+          </a:effectRef>
+          <a:fontRef idx="minor">
+            <a:schemeClr val="tx1"/>
+          </a:fontRef>
+        </p:style>
+      </p:cxnSp>
+      <p:cxnSp>
+        <p:nvCxnSpPr>
+          <p:cNvPr id="40" name="直線接點 39">
+            <a:extLst>
+              <a:ext uri="{FF2B5EF4-FFF2-40B4-BE49-F238E27FC236}">
+                <a16:creationId xmlns:a16="http://schemas.microsoft.com/office/drawing/2014/main" id="{8A75385B-D746-4ECC-A1A5-3585E621657F}"/>
+              </a:ext>
+            </a:extLst>
+          </p:cNvPr>
+          <p:cNvCxnSpPr/>
+          <p:nvPr/>
+        </p:nvCxnSpPr>
+        <p:spPr>
+          <a:xfrm>
+            <a:off x="6184900" y="876300"/>
+            <a:ext cx="0" cy="5276850"/>
+          </a:xfrm>
+          <a:prstGeom prst="line">
+            <a:avLst/>
+          </a:prstGeom>
+          <a:ln>
+            <a:solidFill>
+              <a:schemeClr val="bg1">
+                <a:lumMod val="85000"/>
+              </a:schemeClr>
+            </a:solidFill>
+            <a:prstDash val="lgDash"/>
+          </a:ln>
+        </p:spPr>
+        <p:style>
+          <a:lnRef idx="1">
+            <a:schemeClr val="accent1"/>
+          </a:lnRef>
+          <a:fillRef idx="0">
+            <a:schemeClr val="accent1"/>
+          </a:fillRef>
+          <a:effectRef idx="0">
+            <a:schemeClr val="accent1"/>
+          </a:effectRef>
+          <a:fontRef idx="minor">
+            <a:schemeClr val="tx1"/>
+          </a:fontRef>
+        </p:style>
+      </p:cxnSp>
+      <p:cxnSp>
+        <p:nvCxnSpPr>
+          <p:cNvPr id="41" name="直線接點 40">
+            <a:extLst>
+              <a:ext uri="{FF2B5EF4-FFF2-40B4-BE49-F238E27FC236}">
+                <a16:creationId xmlns:a16="http://schemas.microsoft.com/office/drawing/2014/main" id="{36B8497A-B860-4EA1-BC8B-035829262972}"/>
+              </a:ext>
+            </a:extLst>
+          </p:cNvPr>
+          <p:cNvCxnSpPr/>
+          <p:nvPr/>
+        </p:nvCxnSpPr>
+        <p:spPr>
+          <a:xfrm>
+            <a:off x="6553200" y="876300"/>
+            <a:ext cx="0" cy="5276850"/>
+          </a:xfrm>
+          <a:prstGeom prst="line">
+            <a:avLst/>
+          </a:prstGeom>
+          <a:ln>
+            <a:solidFill>
+              <a:schemeClr val="bg1">
+                <a:lumMod val="85000"/>
+              </a:schemeClr>
+            </a:solidFill>
+            <a:prstDash val="lgDash"/>
+          </a:ln>
+        </p:spPr>
+        <p:style>
+          <a:lnRef idx="1">
+            <a:schemeClr val="accent1"/>
+          </a:lnRef>
+          <a:fillRef idx="0">
+            <a:schemeClr val="accent1"/>
+          </a:fillRef>
+          <a:effectRef idx="0">
+            <a:schemeClr val="accent1"/>
+          </a:effectRef>
+          <a:fontRef idx="minor">
+            <a:schemeClr val="tx1"/>
+          </a:fontRef>
+        </p:style>
+      </p:cxnSp>
+      <p:cxnSp>
+        <p:nvCxnSpPr>
+          <p:cNvPr id="42" name="直線接點 41">
+            <a:extLst>
+              <a:ext uri="{FF2B5EF4-FFF2-40B4-BE49-F238E27FC236}">
+                <a16:creationId xmlns:a16="http://schemas.microsoft.com/office/drawing/2014/main" id="{DF42E65F-7650-4F4F-8B71-A860CA763AF0}"/>
+              </a:ext>
+            </a:extLst>
+          </p:cNvPr>
+          <p:cNvCxnSpPr/>
+          <p:nvPr/>
+        </p:nvCxnSpPr>
+        <p:spPr>
+          <a:xfrm>
+            <a:off x="6921500" y="876300"/>
+            <a:ext cx="0" cy="5276850"/>
+          </a:xfrm>
+          <a:prstGeom prst="line">
+            <a:avLst/>
+          </a:prstGeom>
+          <a:ln>
+            <a:solidFill>
+              <a:schemeClr val="tx1"/>
+            </a:solidFill>
+            <a:prstDash val="lgDash"/>
+          </a:ln>
+        </p:spPr>
+        <p:style>
+          <a:lnRef idx="1">
+            <a:schemeClr val="accent1"/>
+          </a:lnRef>
+          <a:fillRef idx="0">
+            <a:schemeClr val="accent1"/>
+          </a:fillRef>
+          <a:effectRef idx="0">
+            <a:schemeClr val="accent1"/>
+          </a:effectRef>
+          <a:fontRef idx="minor">
+            <a:schemeClr val="tx1"/>
+          </a:fontRef>
+        </p:style>
+      </p:cxnSp>
+      <p:cxnSp>
+        <p:nvCxnSpPr>
+          <p:cNvPr id="43" name="直線接點 42">
+            <a:extLst>
+              <a:ext uri="{FF2B5EF4-FFF2-40B4-BE49-F238E27FC236}">
+                <a16:creationId xmlns:a16="http://schemas.microsoft.com/office/drawing/2014/main" id="{342308A6-A496-42A0-9001-63E80D8F6336}"/>
+              </a:ext>
+            </a:extLst>
+          </p:cNvPr>
+          <p:cNvCxnSpPr/>
+          <p:nvPr/>
+        </p:nvCxnSpPr>
+        <p:spPr>
+          <a:xfrm>
+            <a:off x="7302500" y="876300"/>
+            <a:ext cx="0" cy="5276850"/>
+          </a:xfrm>
+          <a:prstGeom prst="line">
+            <a:avLst/>
+          </a:prstGeom>
+          <a:ln>
+            <a:solidFill>
+              <a:schemeClr val="bg1">
+                <a:lumMod val="85000"/>
+              </a:schemeClr>
+            </a:solidFill>
+            <a:prstDash val="lgDash"/>
+          </a:ln>
+        </p:spPr>
+        <p:style>
+          <a:lnRef idx="1">
+            <a:schemeClr val="accent1"/>
+          </a:lnRef>
+          <a:fillRef idx="0">
+            <a:schemeClr val="accent1"/>
+          </a:fillRef>
+          <a:effectRef idx="0">
+            <a:schemeClr val="accent1"/>
+          </a:effectRef>
+          <a:fontRef idx="minor">
+            <a:schemeClr val="tx1"/>
+          </a:fontRef>
+        </p:style>
+      </p:cxnSp>
+      <p:cxnSp>
+        <p:nvCxnSpPr>
+          <p:cNvPr id="44" name="直線接點 43">
+            <a:extLst>
+              <a:ext uri="{FF2B5EF4-FFF2-40B4-BE49-F238E27FC236}">
+                <a16:creationId xmlns:a16="http://schemas.microsoft.com/office/drawing/2014/main" id="{A687D678-F7D6-40B0-99F3-9347907D730A}"/>
+              </a:ext>
+            </a:extLst>
+          </p:cNvPr>
+          <p:cNvCxnSpPr/>
+          <p:nvPr/>
+        </p:nvCxnSpPr>
+        <p:spPr>
+          <a:xfrm>
+            <a:off x="7683500" y="876300"/>
+            <a:ext cx="0" cy="5276850"/>
+          </a:xfrm>
+          <a:prstGeom prst="line">
+            <a:avLst/>
+          </a:prstGeom>
+          <a:ln>
+            <a:solidFill>
+              <a:schemeClr val="bg1">
+                <a:lumMod val="85000"/>
+              </a:schemeClr>
+            </a:solidFill>
+            <a:prstDash val="lgDash"/>
+          </a:ln>
+        </p:spPr>
+        <p:style>
+          <a:lnRef idx="1">
+            <a:schemeClr val="accent1"/>
+          </a:lnRef>
+          <a:fillRef idx="0">
+            <a:schemeClr val="accent1"/>
+          </a:fillRef>
+          <a:effectRef idx="0">
+            <a:schemeClr val="accent1"/>
+          </a:effectRef>
+          <a:fontRef idx="minor">
+            <a:schemeClr val="tx1"/>
+          </a:fontRef>
+        </p:style>
+      </p:cxnSp>
+      <p:cxnSp>
+        <p:nvCxnSpPr>
+          <p:cNvPr id="45" name="直線接點 44">
+            <a:extLst>
+              <a:ext uri="{FF2B5EF4-FFF2-40B4-BE49-F238E27FC236}">
+                <a16:creationId xmlns:a16="http://schemas.microsoft.com/office/drawing/2014/main" id="{64395474-827F-4A31-8362-565E78DBB342}"/>
+              </a:ext>
+            </a:extLst>
+          </p:cNvPr>
+          <p:cNvCxnSpPr/>
+          <p:nvPr/>
+        </p:nvCxnSpPr>
+        <p:spPr>
+          <a:xfrm>
+            <a:off x="8089900" y="876300"/>
+            <a:ext cx="0" cy="5276850"/>
+          </a:xfrm>
+          <a:prstGeom prst="line">
+            <a:avLst/>
+          </a:prstGeom>
+          <a:ln>
+            <a:solidFill>
+              <a:schemeClr val="bg1">
+                <a:lumMod val="85000"/>
+              </a:schemeClr>
+            </a:solidFill>
+            <a:prstDash val="lgDash"/>
+          </a:ln>
+        </p:spPr>
+        <p:style>
+          <a:lnRef idx="1">
+            <a:schemeClr val="accent1"/>
+          </a:lnRef>
+          <a:fillRef idx="0">
+            <a:schemeClr val="accent1"/>
+          </a:fillRef>
+          <a:effectRef idx="0">
+            <a:schemeClr val="accent1"/>
+          </a:effectRef>
+          <a:fontRef idx="minor">
+            <a:schemeClr val="tx1"/>
+          </a:fontRef>
+        </p:style>
+      </p:cxnSp>
+      <p:sp>
+        <p:nvSpPr>
+          <p:cNvPr id="48" name="文字方塊 47">
+            <a:extLst>
+              <a:ext uri="{FF2B5EF4-FFF2-40B4-BE49-F238E27FC236}">
+                <a16:creationId xmlns:a16="http://schemas.microsoft.com/office/drawing/2014/main" id="{B0914EE9-C086-406A-9C4C-962561D822C7}"/>
+              </a:ext>
+            </a:extLst>
+          </p:cNvPr>
+          <p:cNvSpPr txBox="1"/>
+          <p:nvPr/>
+        </p:nvSpPr>
+        <p:spPr>
+          <a:xfrm>
+            <a:off x="971550" y="590550"/>
+            <a:ext cx="6276077" cy="369332"/>
+          </a:xfrm>
+          <a:prstGeom prst="rect">
+            <a:avLst/>
+          </a:prstGeom>
+          <a:noFill/>
+        </p:spPr>
+        <p:txBody>
+          <a:bodyPr wrap="none" rtlCol="0">
+            <a:spAutoFit/>
+          </a:bodyPr>
+          <a:lstStyle/>
+          <a:p>
+            <a:r>
+              <a:rPr lang="en-US" dirty="0"/>
+              <a:t>-5		   0		     5 		     10</a:t>
+            </a:r>
+          </a:p>
+        </p:txBody>
+      </p:sp>
+      <p:sp>
+        <p:nvSpPr>
+          <p:cNvPr id="49" name="矩形 48">
+            <a:extLst>
+              <a:ext uri="{FF2B5EF4-FFF2-40B4-BE49-F238E27FC236}">
+                <a16:creationId xmlns:a16="http://schemas.microsoft.com/office/drawing/2014/main" id="{B59C97FA-1E40-4102-8858-94C7CFB7212D}"/>
+              </a:ext>
+            </a:extLst>
+          </p:cNvPr>
+          <p:cNvSpPr/>
+          <p:nvPr/>
+        </p:nvSpPr>
+        <p:spPr>
+          <a:xfrm>
+            <a:off x="3486150" y="1098550"/>
+            <a:ext cx="3435349" cy="311150"/>
+          </a:xfrm>
+          <a:prstGeom prst="rect">
+            <a:avLst/>
+          </a:prstGeom>
+        </p:spPr>
+        <p:style>
+          <a:lnRef idx="2">
+            <a:schemeClr val="accent1">
+              <a:shade val="50000"/>
+            </a:schemeClr>
+          </a:lnRef>
+          <a:fillRef idx="1">
+            <a:schemeClr val="accent1"/>
+          </a:fillRef>
+          <a:effectRef idx="0">
+            <a:schemeClr val="accent1"/>
+          </a:effectRef>
+          <a:fontRef idx="minor">
+            <a:schemeClr val="lt1"/>
+          </a:fontRef>
+        </p:style>
+        <p:txBody>
+          <a:bodyPr rtlCol="0" anchor="ctr"/>
+          <a:lstStyle/>
+          <a:p>
+            <a:pPr algn="ctr"/>
+            <a:r>
+              <a:rPr lang="en-US" dirty="0"/>
+              <a:t>A</a:t>
+            </a:r>
+          </a:p>
+        </p:txBody>
+      </p:sp>
+      <p:sp>
+        <p:nvSpPr>
+          <p:cNvPr id="50" name="矩形 49">
+            <a:extLst>
+              <a:ext uri="{FF2B5EF4-FFF2-40B4-BE49-F238E27FC236}">
+                <a16:creationId xmlns:a16="http://schemas.microsoft.com/office/drawing/2014/main" id="{60169BD7-E0E5-496B-9EAE-0C4DBF2553BF}"/>
+              </a:ext>
+            </a:extLst>
+          </p:cNvPr>
+          <p:cNvSpPr/>
+          <p:nvPr/>
+        </p:nvSpPr>
+        <p:spPr>
+          <a:xfrm>
+            <a:off x="3867150" y="1435101"/>
+            <a:ext cx="2686047" cy="311150"/>
+          </a:xfrm>
+          <a:prstGeom prst="rect">
+            <a:avLst/>
+          </a:prstGeom>
+        </p:spPr>
+        <p:style>
+          <a:lnRef idx="2">
+            <a:schemeClr val="accent1">
+              <a:shade val="50000"/>
+            </a:schemeClr>
+          </a:lnRef>
+          <a:fillRef idx="1">
+            <a:schemeClr val="accent1"/>
+          </a:fillRef>
+          <a:effectRef idx="0">
+            <a:schemeClr val="accent1"/>
+          </a:effectRef>
+          <a:fontRef idx="minor">
+            <a:schemeClr val="lt1"/>
+          </a:fontRef>
+        </p:style>
+        <p:txBody>
+          <a:bodyPr rtlCol="0" anchor="ctr"/>
+          <a:lstStyle/>
+          <a:p>
+            <a:pPr algn="ctr"/>
+            <a:r>
+              <a:rPr lang="en-US" dirty="0"/>
+              <a:t>B</a:t>
+            </a:r>
+          </a:p>
+        </p:txBody>
+      </p:sp>
+      <p:sp>
+        <p:nvSpPr>
+          <p:cNvPr id="51" name="矩形 50">
+            <a:extLst>
+              <a:ext uri="{FF2B5EF4-FFF2-40B4-BE49-F238E27FC236}">
+                <a16:creationId xmlns:a16="http://schemas.microsoft.com/office/drawing/2014/main" id="{86043D21-C596-4D57-BAF8-87E4AAC16F1B}"/>
+              </a:ext>
+            </a:extLst>
+          </p:cNvPr>
+          <p:cNvSpPr/>
+          <p:nvPr/>
+        </p:nvSpPr>
+        <p:spPr>
+          <a:xfrm>
+            <a:off x="4286252" y="1771652"/>
+            <a:ext cx="1898649" cy="311150"/>
+          </a:xfrm>
+          <a:prstGeom prst="rect">
+            <a:avLst/>
+          </a:prstGeom>
+        </p:spPr>
+        <p:style>
+          <a:lnRef idx="1">
+            <a:schemeClr val="accent6"/>
+          </a:lnRef>
+          <a:fillRef idx="2">
+            <a:schemeClr val="accent6"/>
+          </a:fillRef>
+          <a:effectRef idx="1">
+            <a:schemeClr val="accent6"/>
+          </a:effectRef>
+          <a:fontRef idx="minor">
+            <a:schemeClr val="dk1"/>
+          </a:fontRef>
+        </p:style>
+        <p:txBody>
+          <a:bodyPr rtlCol="0" anchor="ctr"/>
+          <a:lstStyle/>
+          <a:p>
+            <a:pPr algn="ctr"/>
+            <a:r>
+              <a:rPr lang="en-US" dirty="0"/>
+              <a:t>C</a:t>
+            </a:r>
+          </a:p>
+        </p:txBody>
+      </p:sp>
+      <p:sp>
+        <p:nvSpPr>
+          <p:cNvPr id="52" name="矩形 51">
+            <a:extLst>
+              <a:ext uri="{FF2B5EF4-FFF2-40B4-BE49-F238E27FC236}">
+                <a16:creationId xmlns:a16="http://schemas.microsoft.com/office/drawing/2014/main" id="{E1973BFF-C370-4E25-BC66-540B284C05E0}"/>
+              </a:ext>
+            </a:extLst>
+          </p:cNvPr>
+          <p:cNvSpPr/>
+          <p:nvPr/>
+        </p:nvSpPr>
+        <p:spPr>
+          <a:xfrm>
+            <a:off x="4660903" y="2108203"/>
+            <a:ext cx="374650" cy="311150"/>
+          </a:xfrm>
+          <a:prstGeom prst="rect">
+            <a:avLst/>
+          </a:prstGeom>
+        </p:spPr>
+        <p:style>
+          <a:lnRef idx="1">
+            <a:schemeClr val="accent6"/>
+          </a:lnRef>
+          <a:fillRef idx="2">
+            <a:schemeClr val="accent6"/>
+          </a:fillRef>
+          <a:effectRef idx="1">
+            <a:schemeClr val="accent6"/>
+          </a:effectRef>
+          <a:fontRef idx="minor">
+            <a:schemeClr val="dk1"/>
+          </a:fontRef>
+        </p:style>
+        <p:txBody>
+          <a:bodyPr rtlCol="0" anchor="ctr"/>
+          <a:lstStyle/>
+          <a:p>
+            <a:pPr algn="ctr"/>
+            <a:r>
+              <a:rPr lang="en-US" dirty="0"/>
+              <a:t>D</a:t>
+            </a:r>
+          </a:p>
+        </p:txBody>
+      </p:sp>
+      <p:sp>
+        <p:nvSpPr>
+          <p:cNvPr id="53" name="矩形 52">
+            <a:extLst>
+              <a:ext uri="{FF2B5EF4-FFF2-40B4-BE49-F238E27FC236}">
+                <a16:creationId xmlns:a16="http://schemas.microsoft.com/office/drawing/2014/main" id="{5296FC3B-0FCB-4509-AE0A-AE509AEB55E0}"/>
+              </a:ext>
+            </a:extLst>
+          </p:cNvPr>
+          <p:cNvSpPr/>
+          <p:nvPr/>
+        </p:nvSpPr>
+        <p:spPr>
+          <a:xfrm>
+            <a:off x="5410203" y="2108203"/>
+            <a:ext cx="374650" cy="311150"/>
+          </a:xfrm>
+          <a:prstGeom prst="rect">
+            <a:avLst/>
+          </a:prstGeom>
+        </p:spPr>
+        <p:style>
+          <a:lnRef idx="1">
+            <a:schemeClr val="accent6"/>
+          </a:lnRef>
+          <a:fillRef idx="2">
+            <a:schemeClr val="accent6"/>
+          </a:fillRef>
+          <a:effectRef idx="1">
+            <a:schemeClr val="accent6"/>
+          </a:effectRef>
+          <a:fontRef idx="minor">
+            <a:schemeClr val="dk1"/>
+          </a:fontRef>
+        </p:style>
+        <p:txBody>
+          <a:bodyPr rtlCol="0" anchor="ctr"/>
+          <a:lstStyle/>
+          <a:p>
+            <a:pPr algn="ctr"/>
+            <a:r>
+              <a:rPr lang="en-US" dirty="0"/>
+              <a:t>E</a:t>
+            </a:r>
+          </a:p>
+        </p:txBody>
+      </p:sp>
+    </p:spTree>
+    <p:extLst>
+      <p:ext uri="{BB962C8B-B14F-4D97-AF65-F5344CB8AC3E}">
+        <p14:creationId xmlns:p14="http://schemas.microsoft.com/office/powerpoint/2010/main" val="3303599908"/>
+      </p:ext>
+    </p:extLst>
+  </p:cSld>
+  <p:clrMapOvr>
+    <a:masterClrMapping/>
+  </p:clrMapOvr>
+</p:sld>
+</file>
+
 <file path=ppt/theme/theme1.xml><?xml version="1.0" encoding="utf-8"?>
 <a:theme xmlns:a="http://schemas.openxmlformats.org/drawingml/2006/main" name="Office 佈景主題">
   <a:themeElements>
